--- a/sqlserver-sql/sqlserver-dql-date-functions.pptx
+++ b/sqlserver-sql/sqlserver-dql-date-functions.pptx
@@ -319,7 +319,7 @@
           <a:p>
             <a:fld id="{241EB5C9-1307-BA42-ABA2-0BC069CD8E7F}" type="datetimeFigureOut">
               <a:rPr lang="en-US" smtClean="0"/>
-              <a:t>8/1/2025</a:t>
+              <a:t>8/5/2025</a:t>
             </a:fld>
             <a:endParaRPr lang="en-US"/>
           </a:p>
@@ -487,7 +487,7 @@
           <a:p>
             <a:fld id="{241EB5C9-1307-BA42-ABA2-0BC069CD8E7F}" type="datetimeFigureOut">
               <a:rPr lang="en-US" smtClean="0"/>
-              <a:t>8/1/2025</a:t>
+              <a:t>8/5/2025</a:t>
             </a:fld>
             <a:endParaRPr lang="en-US"/>
           </a:p>
@@ -665,7 +665,7 @@
           <a:p>
             <a:fld id="{241EB5C9-1307-BA42-ABA2-0BC069CD8E7F}" type="datetimeFigureOut">
               <a:rPr lang="en-US" smtClean="0"/>
-              <a:t>8/1/2025</a:t>
+              <a:t>8/5/2025</a:t>
             </a:fld>
             <a:endParaRPr lang="en-US"/>
           </a:p>
@@ -833,7 +833,7 @@
           <a:p>
             <a:fld id="{241EB5C9-1307-BA42-ABA2-0BC069CD8E7F}" type="datetimeFigureOut">
               <a:rPr lang="en-US" smtClean="0"/>
-              <a:t>8/1/2025</a:t>
+              <a:t>8/5/2025</a:t>
             </a:fld>
             <a:endParaRPr lang="en-US"/>
           </a:p>
@@ -1078,7 +1078,7 @@
           <a:p>
             <a:fld id="{241EB5C9-1307-BA42-ABA2-0BC069CD8E7F}" type="datetimeFigureOut">
               <a:rPr lang="en-US" smtClean="0"/>
-              <a:t>8/1/2025</a:t>
+              <a:t>8/5/2025</a:t>
             </a:fld>
             <a:endParaRPr lang="en-US"/>
           </a:p>
@@ -1363,7 +1363,7 @@
           <a:p>
             <a:fld id="{241EB5C9-1307-BA42-ABA2-0BC069CD8E7F}" type="datetimeFigureOut">
               <a:rPr lang="en-US" smtClean="0"/>
-              <a:t>8/1/2025</a:t>
+              <a:t>8/5/2025</a:t>
             </a:fld>
             <a:endParaRPr lang="en-US"/>
           </a:p>
@@ -1782,7 +1782,7 @@
           <a:p>
             <a:fld id="{241EB5C9-1307-BA42-ABA2-0BC069CD8E7F}" type="datetimeFigureOut">
               <a:rPr lang="en-US" smtClean="0"/>
-              <a:t>8/1/2025</a:t>
+              <a:t>8/5/2025</a:t>
             </a:fld>
             <a:endParaRPr lang="en-US"/>
           </a:p>
@@ -1899,7 +1899,7 @@
           <a:p>
             <a:fld id="{241EB5C9-1307-BA42-ABA2-0BC069CD8E7F}" type="datetimeFigureOut">
               <a:rPr lang="en-US" smtClean="0"/>
-              <a:t>8/1/2025</a:t>
+              <a:t>8/5/2025</a:t>
             </a:fld>
             <a:endParaRPr lang="en-US"/>
           </a:p>
@@ -1994,7 +1994,7 @@
           <a:p>
             <a:fld id="{241EB5C9-1307-BA42-ABA2-0BC069CD8E7F}" type="datetimeFigureOut">
               <a:rPr lang="en-US" smtClean="0"/>
-              <a:t>8/1/2025</a:t>
+              <a:t>8/5/2025</a:t>
             </a:fld>
             <a:endParaRPr lang="en-US"/>
           </a:p>
@@ -2269,7 +2269,7 @@
           <a:p>
             <a:fld id="{241EB5C9-1307-BA42-ABA2-0BC069CD8E7F}" type="datetimeFigureOut">
               <a:rPr lang="en-US" smtClean="0"/>
-              <a:t>8/1/2025</a:t>
+              <a:t>8/5/2025</a:t>
             </a:fld>
             <a:endParaRPr lang="en-US"/>
           </a:p>
@@ -2521,7 +2521,7 @@
           <a:p>
             <a:fld id="{241EB5C9-1307-BA42-ABA2-0BC069CD8E7F}" type="datetimeFigureOut">
               <a:rPr lang="en-US" smtClean="0"/>
-              <a:t>8/1/2025</a:t>
+              <a:t>8/5/2025</a:t>
             </a:fld>
             <a:endParaRPr lang="en-US"/>
           </a:p>
@@ -2732,7 +2732,7 @@
           <a:p>
             <a:fld id="{241EB5C9-1307-BA42-ABA2-0BC069CD8E7F}" type="datetimeFigureOut">
               <a:rPr lang="en-US" smtClean="0"/>
-              <a:t>8/1/2025</a:t>
+              <a:t>8/5/2025</a:t>
             </a:fld>
             <a:endParaRPr lang="en-US"/>
           </a:p>
@@ -3093,6 +3093,14 @@
 <file path=ppt/slides/slide1.xml><?xml version="1.0" encoding="utf-8"?>
 <p:sld xmlns:a="http://schemas.openxmlformats.org/drawingml/2006/main" xmlns:r="http://schemas.openxmlformats.org/officeDocument/2006/relationships" xmlns:p="http://schemas.openxmlformats.org/presentationml/2006/main">
   <p:cSld>
+    <p:bg>
+      <p:bgPr>
+        <a:solidFill>
+          <a:schemeClr val="bg1"/>
+        </a:solidFill>
+        <a:effectLst/>
+      </p:bgPr>
+    </p:bg>
     <p:spTree>
       <p:nvGrpSpPr>
         <p:cNvPr id="1" name=""/>
@@ -3107,9 +3115,659 @@
           <a:chExt cx="0" cy="0"/>
         </a:xfrm>
       </p:grpSpPr>
+      <p:sp>
+        <p:nvSpPr>
+          <p:cNvPr id="7" name="Rectangle 6">
+            <a:extLst>
+              <a:ext uri="{FF2B5EF4-FFF2-40B4-BE49-F238E27FC236}">
+                <a16:creationId xmlns:a16="http://schemas.microsoft.com/office/drawing/2014/main" id="{0B761509-3B9A-49A6-A84B-C3D86811697D}"/>
+              </a:ext>
+              <a:ext uri="{C183D7F6-B498-43B3-948B-1728B52AA6E4}">
+                <adec:decorative xmlns:adec="http://schemas.microsoft.com/office/drawing/2017/decorative" val="1"/>
+              </a:ext>
+            </a:extLst>
+          </p:cNvPr>
+          <p:cNvSpPr>
+            <a:spLocks noGrp="1" noRot="1" noChangeAspect="1" noMove="1" noResize="1" noEditPoints="1" noAdjustHandles="1" noChangeArrowheads="1" noChangeShapeType="1" noTextEdit="1"/>
+          </p:cNvSpPr>
+          <p:nvPr>
+            <p:extLst>
+              <p:ext uri="{386F3935-93C4-4BCD-93E2-E3B085C9AB24}">
+                <p16:designElem xmlns:p16="http://schemas.microsoft.com/office/powerpoint/2015/main" val="1"/>
+              </p:ext>
+            </p:extLst>
+          </p:nvPr>
+        </p:nvSpPr>
+        <p:spPr>
+          <a:xfrm>
+            <a:off x="1" y="0"/>
+            <a:ext cx="9143998" cy="5143500"/>
+          </a:xfrm>
+          <a:prstGeom prst="rect">
+            <a:avLst/>
+          </a:prstGeom>
+          <a:solidFill>
+            <a:schemeClr val="tx1"/>
+          </a:solidFill>
+          <a:ln>
+            <a:noFill/>
+          </a:ln>
+        </p:spPr>
+        <p:style>
+          <a:lnRef idx="2">
+            <a:schemeClr val="accent1">
+              <a:shade val="50000"/>
+            </a:schemeClr>
+          </a:lnRef>
+          <a:fillRef idx="1">
+            <a:schemeClr val="accent1"/>
+          </a:fillRef>
+          <a:effectRef idx="0">
+            <a:schemeClr val="accent1"/>
+          </a:effectRef>
+          <a:fontRef idx="minor">
+            <a:schemeClr val="lt1"/>
+          </a:fontRef>
+        </p:style>
+        <p:txBody>
+          <a:bodyPr rtlCol="0" anchor="ctr"/>
+          <a:lstStyle/>
+          <a:p>
+            <a:pPr algn="ctr"/>
+            <a:endParaRPr lang="en-US"/>
+          </a:p>
+        </p:txBody>
+      </p:sp>
+      <p:sp useBgFill="1">
+        <p:nvSpPr>
+          <p:cNvPr id="9" name="Freeform: Shape 8">
+            <a:extLst>
+              <a:ext uri="{FF2B5EF4-FFF2-40B4-BE49-F238E27FC236}">
+                <a16:creationId xmlns:a16="http://schemas.microsoft.com/office/drawing/2014/main" id="{91DE43FD-EB47-414A-B0AB-169B0FFFA527}"/>
+              </a:ext>
+              <a:ext uri="{C183D7F6-B498-43B3-948B-1728B52AA6E4}">
+                <adec:decorative xmlns:adec="http://schemas.microsoft.com/office/drawing/2017/decorative" val="1"/>
+              </a:ext>
+            </a:extLst>
+          </p:cNvPr>
+          <p:cNvSpPr>
+            <a:spLocks noGrp="1" noRot="1" noChangeAspect="1" noMove="1" noResize="1" noEditPoints="1" noAdjustHandles="1" noChangeArrowheads="1" noChangeShapeType="1" noTextEdit="1"/>
+          </p:cNvSpPr>
+          <p:nvPr>
+            <p:extLst>
+              <p:ext uri="{386F3935-93C4-4BCD-93E2-E3B085C9AB24}">
+                <p16:designElem xmlns:p16="http://schemas.microsoft.com/office/powerpoint/2015/main" val="1"/>
+              </p:ext>
+            </p:extLst>
+          </p:nvPr>
+        </p:nvSpPr>
+        <p:spPr>
+          <a:xfrm>
+            <a:off x="0" y="0"/>
+            <a:ext cx="6954691" cy="5143500"/>
+          </a:xfrm>
+          <a:custGeom>
+            <a:avLst/>
+            <a:gdLst>
+              <a:gd name="connsiteX0" fmla="*/ 0 w 9272922"/>
+              <a:gd name="connsiteY0" fmla="*/ 0 h 6858000"/>
+              <a:gd name="connsiteX1" fmla="*/ 1733417 w 9272922"/>
+              <a:gd name="connsiteY1" fmla="*/ 0 h 6858000"/>
+              <a:gd name="connsiteX2" fmla="*/ 3307976 w 9272922"/>
+              <a:gd name="connsiteY2" fmla="*/ 0 h 6858000"/>
+              <a:gd name="connsiteX3" fmla="*/ 8126249 w 9272922"/>
+              <a:gd name="connsiteY3" fmla="*/ 0 h 6858000"/>
+              <a:gd name="connsiteX4" fmla="*/ 8138896 w 9272922"/>
+              <a:gd name="connsiteY4" fmla="*/ 31774 h 6858000"/>
+              <a:gd name="connsiteX5" fmla="*/ 9193904 w 9272922"/>
+              <a:gd name="connsiteY5" fmla="*/ 2682457 h 6858000"/>
+              <a:gd name="connsiteX6" fmla="*/ 9193904 w 9272922"/>
+              <a:gd name="connsiteY6" fmla="*/ 3752208 h 6858000"/>
+              <a:gd name="connsiteX7" fmla="*/ 8036400 w 9272922"/>
+              <a:gd name="connsiteY7" fmla="*/ 6660411 h 6858000"/>
+              <a:gd name="connsiteX8" fmla="*/ 7957938 w 9272922"/>
+              <a:gd name="connsiteY8" fmla="*/ 6857542 h 6858000"/>
+              <a:gd name="connsiteX9" fmla="*/ 3307976 w 9272922"/>
+              <a:gd name="connsiteY9" fmla="*/ 6857542 h 6858000"/>
+              <a:gd name="connsiteX10" fmla="*/ 3307976 w 9272922"/>
+              <a:gd name="connsiteY10" fmla="*/ 6858000 h 6858000"/>
+              <a:gd name="connsiteX11" fmla="*/ 0 w 9272922"/>
+              <a:gd name="connsiteY11" fmla="*/ 6858000 h 6858000"/>
+            </a:gdLst>
+            <a:ahLst/>
+            <a:cxnLst>
+              <a:cxn ang="0">
+                <a:pos x="connsiteX0" y="connsiteY0"/>
+              </a:cxn>
+              <a:cxn ang="0">
+                <a:pos x="connsiteX1" y="connsiteY1"/>
+              </a:cxn>
+              <a:cxn ang="0">
+                <a:pos x="connsiteX2" y="connsiteY2"/>
+              </a:cxn>
+              <a:cxn ang="0">
+                <a:pos x="connsiteX3" y="connsiteY3"/>
+              </a:cxn>
+              <a:cxn ang="0">
+                <a:pos x="connsiteX4" y="connsiteY4"/>
+              </a:cxn>
+              <a:cxn ang="0">
+                <a:pos x="connsiteX5" y="connsiteY5"/>
+              </a:cxn>
+              <a:cxn ang="0">
+                <a:pos x="connsiteX6" y="connsiteY6"/>
+              </a:cxn>
+              <a:cxn ang="0">
+                <a:pos x="connsiteX7" y="connsiteY7"/>
+              </a:cxn>
+              <a:cxn ang="0">
+                <a:pos x="connsiteX8" y="connsiteY8"/>
+              </a:cxn>
+              <a:cxn ang="0">
+                <a:pos x="connsiteX9" y="connsiteY9"/>
+              </a:cxn>
+              <a:cxn ang="0">
+                <a:pos x="connsiteX10" y="connsiteY10"/>
+              </a:cxn>
+              <a:cxn ang="0">
+                <a:pos x="connsiteX11" y="connsiteY11"/>
+              </a:cxn>
+            </a:cxnLst>
+            <a:rect l="l" t="t" r="r" b="b"/>
+            <a:pathLst>
+              <a:path w="9272922" h="6858000">
+                <a:moveTo>
+                  <a:pt x="0" y="0"/>
+                </a:moveTo>
+                <a:lnTo>
+                  <a:pt x="1733417" y="0"/>
+                </a:lnTo>
+                <a:lnTo>
+                  <a:pt x="3307976" y="0"/>
+                </a:lnTo>
+                <a:lnTo>
+                  <a:pt x="8126249" y="0"/>
+                </a:lnTo>
+                <a:lnTo>
+                  <a:pt x="8138896" y="31774"/>
+                </a:lnTo>
+                <a:cubicBezTo>
+                  <a:pt x="9193904" y="2682457"/>
+                  <a:pt x="9193904" y="2682457"/>
+                  <a:pt x="9193904" y="2682457"/>
+                </a:cubicBezTo>
+                <a:cubicBezTo>
+                  <a:pt x="9299262" y="2988100"/>
+                  <a:pt x="9299262" y="3446565"/>
+                  <a:pt x="9193904" y="3752208"/>
+                </a:cubicBezTo>
+                <a:cubicBezTo>
+                  <a:pt x="8709916" y="4968215"/>
+                  <a:pt x="8331802" y="5918220"/>
+                  <a:pt x="8036400" y="6660411"/>
+                </a:cubicBezTo>
+                <a:lnTo>
+                  <a:pt x="7957938" y="6857542"/>
+                </a:lnTo>
+                <a:lnTo>
+                  <a:pt x="3307976" y="6857542"/>
+                </a:lnTo>
+                <a:lnTo>
+                  <a:pt x="3307976" y="6858000"/>
+                </a:lnTo>
+                <a:lnTo>
+                  <a:pt x="0" y="6858000"/>
+                </a:lnTo>
+                <a:close/>
+              </a:path>
+            </a:pathLst>
+          </a:custGeom>
+          <a:ln>
+            <a:noFill/>
+          </a:ln>
+        </p:spPr>
+        <p:style>
+          <a:lnRef idx="2">
+            <a:schemeClr val="accent1">
+              <a:shade val="50000"/>
+            </a:schemeClr>
+          </a:lnRef>
+          <a:fillRef idx="1">
+            <a:schemeClr val="accent1"/>
+          </a:fillRef>
+          <a:effectRef idx="0">
+            <a:schemeClr val="accent1"/>
+          </a:effectRef>
+          <a:fontRef idx="minor">
+            <a:schemeClr val="lt1"/>
+          </a:fontRef>
+        </p:style>
+        <p:txBody>
+          <a:bodyPr wrap="square" rtlCol="0" anchor="ctr">
+            <a:noAutofit/>
+          </a:bodyPr>
+          <a:lstStyle/>
+          <a:p>
+            <a:pPr algn="ctr"/>
+            <a:endParaRPr lang="en-US"/>
+          </a:p>
+        </p:txBody>
+      </p:sp>
+      <p:grpSp>
+        <p:nvGrpSpPr>
+          <p:cNvPr id="11" name="Group 10">
+            <a:extLst>
+              <a:ext uri="{FF2B5EF4-FFF2-40B4-BE49-F238E27FC236}">
+                <a16:creationId xmlns:a16="http://schemas.microsoft.com/office/drawing/2014/main" id="{58495BCC-CE77-4CC2-952E-846F41119FD5}"/>
+              </a:ext>
+              <a:ext uri="{C183D7F6-B498-43B3-948B-1728B52AA6E4}">
+                <adec:decorative xmlns:adec="http://schemas.microsoft.com/office/drawing/2017/decorative" val="1"/>
+              </a:ext>
+            </a:extLst>
+          </p:cNvPr>
+          <p:cNvGrpSpPr>
+            <a:grpSpLocks noGrp="1" noUngrp="1" noRot="1" noChangeAspect="1" noMove="1" noResize="1"/>
+          </p:cNvGrpSpPr>
+          <p:nvPr>
+            <p:extLst>
+              <p:ext uri="{386F3935-93C4-4BCD-93E2-E3B085C9AB24}">
+                <p16:designElem xmlns:p16="http://schemas.microsoft.com/office/powerpoint/2015/main" val="1"/>
+              </p:ext>
+            </p:extLst>
+          </p:nvPr>
+        </p:nvGrpSpPr>
+        <p:grpSpPr>
+          <a:xfrm>
+            <a:off x="6870420" y="806391"/>
+            <a:ext cx="1171701" cy="879729"/>
+            <a:chOff x="9160561" y="1075188"/>
+            <a:chExt cx="1562267" cy="1172973"/>
+          </a:xfrm>
+        </p:grpSpPr>
+        <p:sp>
+          <p:nvSpPr>
+            <p:cNvPr id="12" name="Freeform 5">
+              <a:extLst>
+                <a:ext uri="{FF2B5EF4-FFF2-40B4-BE49-F238E27FC236}">
+                  <a16:creationId xmlns:a16="http://schemas.microsoft.com/office/drawing/2014/main" id="{1B42538B-E30F-4967-A6C1-8EBA775F4D60}"/>
+                </a:ext>
+                <a:ext uri="{C183D7F6-B498-43B3-948B-1728B52AA6E4}">
+                  <adec:decorative xmlns:adec="http://schemas.microsoft.com/office/drawing/2017/decorative" val="1"/>
+                </a:ext>
+              </a:extLst>
+            </p:cNvPr>
+            <p:cNvSpPr>
+              <a:spLocks/>
+            </p:cNvSpPr>
+            <p:nvPr>
+              <p:extLst>
+                <p:ext uri="{386F3935-93C4-4BCD-93E2-E3B085C9AB24}">
+                  <p16:designElem xmlns:p16="http://schemas.microsoft.com/office/powerpoint/2015/main" val="1"/>
+                </p:ext>
+              </p:extLst>
+            </p:nvPr>
+          </p:nvSpPr>
+          <p:spPr bwMode="auto">
+            <a:xfrm>
+              <a:off x="9160561" y="1423846"/>
+              <a:ext cx="935037" cy="824315"/>
+            </a:xfrm>
+            <a:custGeom>
+              <a:avLst/>
+              <a:gdLst>
+                <a:gd name="T0" fmla="*/ 225 w 785"/>
+                <a:gd name="T1" fmla="*/ 692 h 692"/>
+                <a:gd name="T2" fmla="*/ 177 w 785"/>
+                <a:gd name="T3" fmla="*/ 665 h 692"/>
+                <a:gd name="T4" fmla="*/ 9 w 785"/>
+                <a:gd name="T5" fmla="*/ 374 h 692"/>
+                <a:gd name="T6" fmla="*/ 9 w 785"/>
+                <a:gd name="T7" fmla="*/ 318 h 692"/>
+                <a:gd name="T8" fmla="*/ 177 w 785"/>
+                <a:gd name="T9" fmla="*/ 27 h 692"/>
+                <a:gd name="T10" fmla="*/ 225 w 785"/>
+                <a:gd name="T11" fmla="*/ 0 h 692"/>
+                <a:gd name="T12" fmla="*/ 561 w 785"/>
+                <a:gd name="T13" fmla="*/ 0 h 692"/>
+                <a:gd name="T14" fmla="*/ 609 w 785"/>
+                <a:gd name="T15" fmla="*/ 27 h 692"/>
+                <a:gd name="T16" fmla="*/ 777 w 785"/>
+                <a:gd name="T17" fmla="*/ 318 h 692"/>
+                <a:gd name="T18" fmla="*/ 777 w 785"/>
+                <a:gd name="T19" fmla="*/ 374 h 692"/>
+                <a:gd name="T20" fmla="*/ 609 w 785"/>
+                <a:gd name="T21" fmla="*/ 665 h 692"/>
+                <a:gd name="T22" fmla="*/ 561 w 785"/>
+                <a:gd name="T23" fmla="*/ 692 h 692"/>
+                <a:gd name="T24" fmla="*/ 225 w 785"/>
+                <a:gd name="T25" fmla="*/ 692 h 692"/>
+              </a:gdLst>
+              <a:ahLst/>
+              <a:cxnLst>
+                <a:cxn ang="0">
+                  <a:pos x="T0" y="T1"/>
+                </a:cxn>
+                <a:cxn ang="0">
+                  <a:pos x="T2" y="T3"/>
+                </a:cxn>
+                <a:cxn ang="0">
+                  <a:pos x="T4" y="T5"/>
+                </a:cxn>
+                <a:cxn ang="0">
+                  <a:pos x="T6" y="T7"/>
+                </a:cxn>
+                <a:cxn ang="0">
+                  <a:pos x="T8" y="T9"/>
+                </a:cxn>
+                <a:cxn ang="0">
+                  <a:pos x="T10" y="T11"/>
+                </a:cxn>
+                <a:cxn ang="0">
+                  <a:pos x="T12" y="T13"/>
+                </a:cxn>
+                <a:cxn ang="0">
+                  <a:pos x="T14" y="T15"/>
+                </a:cxn>
+                <a:cxn ang="0">
+                  <a:pos x="T16" y="T17"/>
+                </a:cxn>
+                <a:cxn ang="0">
+                  <a:pos x="T18" y="T19"/>
+                </a:cxn>
+                <a:cxn ang="0">
+                  <a:pos x="T20" y="T21"/>
+                </a:cxn>
+                <a:cxn ang="0">
+                  <a:pos x="T22" y="T23"/>
+                </a:cxn>
+                <a:cxn ang="0">
+                  <a:pos x="T24" y="T25"/>
+                </a:cxn>
+              </a:cxnLst>
+              <a:rect l="0" t="0" r="r" b="b"/>
+              <a:pathLst>
+                <a:path w="785" h="692">
+                  <a:moveTo>
+                    <a:pt x="225" y="692"/>
+                  </a:moveTo>
+                  <a:cubicBezTo>
+                    <a:pt x="207" y="692"/>
+                    <a:pt x="185" y="680"/>
+                    <a:pt x="177" y="665"/>
+                  </a:cubicBezTo>
+                  <a:cubicBezTo>
+                    <a:pt x="9" y="374"/>
+                    <a:pt x="9" y="374"/>
+                    <a:pt x="9" y="374"/>
+                  </a:cubicBezTo>
+                  <a:cubicBezTo>
+                    <a:pt x="0" y="358"/>
+                    <a:pt x="0" y="334"/>
+                    <a:pt x="9" y="318"/>
+                  </a:cubicBezTo>
+                  <a:cubicBezTo>
+                    <a:pt x="177" y="27"/>
+                    <a:pt x="177" y="27"/>
+                    <a:pt x="177" y="27"/>
+                  </a:cubicBezTo>
+                  <a:cubicBezTo>
+                    <a:pt x="185" y="12"/>
+                    <a:pt x="207" y="0"/>
+                    <a:pt x="225" y="0"/>
+                  </a:cubicBezTo>
+                  <a:cubicBezTo>
+                    <a:pt x="561" y="0"/>
+                    <a:pt x="561" y="0"/>
+                    <a:pt x="561" y="0"/>
+                  </a:cubicBezTo>
+                  <a:cubicBezTo>
+                    <a:pt x="578" y="0"/>
+                    <a:pt x="600" y="12"/>
+                    <a:pt x="609" y="27"/>
+                  </a:cubicBezTo>
+                  <a:cubicBezTo>
+                    <a:pt x="777" y="318"/>
+                    <a:pt x="777" y="318"/>
+                    <a:pt x="777" y="318"/>
+                  </a:cubicBezTo>
+                  <a:cubicBezTo>
+                    <a:pt x="785" y="334"/>
+                    <a:pt x="785" y="358"/>
+                    <a:pt x="777" y="374"/>
+                  </a:cubicBezTo>
+                  <a:cubicBezTo>
+                    <a:pt x="609" y="665"/>
+                    <a:pt x="609" y="665"/>
+                    <a:pt x="609" y="665"/>
+                  </a:cubicBezTo>
+                  <a:cubicBezTo>
+                    <a:pt x="600" y="680"/>
+                    <a:pt x="578" y="692"/>
+                    <a:pt x="561" y="692"/>
+                  </a:cubicBezTo>
+                  <a:lnTo>
+                    <a:pt x="225" y="692"/>
+                  </a:lnTo>
+                  <a:close/>
+                </a:path>
+              </a:pathLst>
+            </a:custGeom>
+            <a:noFill/>
+            <a:ln w="28575" cmpd="sng">
+              <a:solidFill>
+                <a:schemeClr val="bg1"/>
+              </a:solidFill>
+            </a:ln>
+          </p:spPr>
+          <p:txBody>
+            <a:bodyPr vert="horz" wrap="square" lIns="91440" tIns="45720" rIns="91440" bIns="45720" numCol="1" anchor="t" anchorCtr="0" compatLnSpc="1">
+              <a:prstTxWarp prst="textNoShape">
+                <a:avLst/>
+              </a:prstTxWarp>
+            </a:bodyPr>
+            <a:lstStyle/>
+            <a:p>
+              <a:endParaRPr lang="en-US"/>
+            </a:p>
+          </p:txBody>
+        </p:sp>
+        <p:sp>
+          <p:nvSpPr>
+            <p:cNvPr id="13" name="Freeform 5">
+              <a:extLst>
+                <a:ext uri="{FF2B5EF4-FFF2-40B4-BE49-F238E27FC236}">
+                  <a16:creationId xmlns:a16="http://schemas.microsoft.com/office/drawing/2014/main" id="{9A6BD9AC-4DE7-4B20-8547-4E3B375C21F7}"/>
+                </a:ext>
+                <a:ext uri="{C183D7F6-B498-43B3-948B-1728B52AA6E4}">
+                  <adec:decorative xmlns:adec="http://schemas.microsoft.com/office/drawing/2017/decorative" val="1"/>
+                </a:ext>
+              </a:extLst>
+            </p:cNvPr>
+            <p:cNvSpPr>
+              <a:spLocks/>
+            </p:cNvSpPr>
+            <p:nvPr>
+              <p:extLst>
+                <p:ext uri="{386F3935-93C4-4BCD-93E2-E3B085C9AB24}">
+                  <p16:designElem xmlns:p16="http://schemas.microsoft.com/office/powerpoint/2015/main" val="1"/>
+                </p:ext>
+              </p:extLst>
+            </p:nvPr>
+          </p:nvSpPr>
+          <p:spPr bwMode="auto">
+            <a:xfrm>
+              <a:off x="9960661" y="1075188"/>
+              <a:ext cx="762167" cy="671915"/>
+            </a:xfrm>
+            <a:custGeom>
+              <a:avLst/>
+              <a:gdLst>
+                <a:gd name="T0" fmla="*/ 225 w 785"/>
+                <a:gd name="T1" fmla="*/ 692 h 692"/>
+                <a:gd name="T2" fmla="*/ 177 w 785"/>
+                <a:gd name="T3" fmla="*/ 665 h 692"/>
+                <a:gd name="T4" fmla="*/ 9 w 785"/>
+                <a:gd name="T5" fmla="*/ 374 h 692"/>
+                <a:gd name="T6" fmla="*/ 9 w 785"/>
+                <a:gd name="T7" fmla="*/ 318 h 692"/>
+                <a:gd name="T8" fmla="*/ 177 w 785"/>
+                <a:gd name="T9" fmla="*/ 27 h 692"/>
+                <a:gd name="T10" fmla="*/ 225 w 785"/>
+                <a:gd name="T11" fmla="*/ 0 h 692"/>
+                <a:gd name="T12" fmla="*/ 561 w 785"/>
+                <a:gd name="T13" fmla="*/ 0 h 692"/>
+                <a:gd name="T14" fmla="*/ 609 w 785"/>
+                <a:gd name="T15" fmla="*/ 27 h 692"/>
+                <a:gd name="T16" fmla="*/ 777 w 785"/>
+                <a:gd name="T17" fmla="*/ 318 h 692"/>
+                <a:gd name="T18" fmla="*/ 777 w 785"/>
+                <a:gd name="T19" fmla="*/ 374 h 692"/>
+                <a:gd name="T20" fmla="*/ 609 w 785"/>
+                <a:gd name="T21" fmla="*/ 665 h 692"/>
+                <a:gd name="T22" fmla="*/ 561 w 785"/>
+                <a:gd name="T23" fmla="*/ 692 h 692"/>
+                <a:gd name="T24" fmla="*/ 225 w 785"/>
+                <a:gd name="T25" fmla="*/ 692 h 692"/>
+              </a:gdLst>
+              <a:ahLst/>
+              <a:cxnLst>
+                <a:cxn ang="0">
+                  <a:pos x="T0" y="T1"/>
+                </a:cxn>
+                <a:cxn ang="0">
+                  <a:pos x="T2" y="T3"/>
+                </a:cxn>
+                <a:cxn ang="0">
+                  <a:pos x="T4" y="T5"/>
+                </a:cxn>
+                <a:cxn ang="0">
+                  <a:pos x="T6" y="T7"/>
+                </a:cxn>
+                <a:cxn ang="0">
+                  <a:pos x="T8" y="T9"/>
+                </a:cxn>
+                <a:cxn ang="0">
+                  <a:pos x="T10" y="T11"/>
+                </a:cxn>
+                <a:cxn ang="0">
+                  <a:pos x="T12" y="T13"/>
+                </a:cxn>
+                <a:cxn ang="0">
+                  <a:pos x="T14" y="T15"/>
+                </a:cxn>
+                <a:cxn ang="0">
+                  <a:pos x="T16" y="T17"/>
+                </a:cxn>
+                <a:cxn ang="0">
+                  <a:pos x="T18" y="T19"/>
+                </a:cxn>
+                <a:cxn ang="0">
+                  <a:pos x="T20" y="T21"/>
+                </a:cxn>
+                <a:cxn ang="0">
+                  <a:pos x="T22" y="T23"/>
+                </a:cxn>
+                <a:cxn ang="0">
+                  <a:pos x="T24" y="T25"/>
+                </a:cxn>
+              </a:cxnLst>
+              <a:rect l="0" t="0" r="r" b="b"/>
+              <a:pathLst>
+                <a:path w="785" h="692">
+                  <a:moveTo>
+                    <a:pt x="225" y="692"/>
+                  </a:moveTo>
+                  <a:cubicBezTo>
+                    <a:pt x="207" y="692"/>
+                    <a:pt x="185" y="680"/>
+                    <a:pt x="177" y="665"/>
+                  </a:cubicBezTo>
+                  <a:cubicBezTo>
+                    <a:pt x="9" y="374"/>
+                    <a:pt x="9" y="374"/>
+                    <a:pt x="9" y="374"/>
+                  </a:cubicBezTo>
+                  <a:cubicBezTo>
+                    <a:pt x="0" y="358"/>
+                    <a:pt x="0" y="334"/>
+                    <a:pt x="9" y="318"/>
+                  </a:cubicBezTo>
+                  <a:cubicBezTo>
+                    <a:pt x="177" y="27"/>
+                    <a:pt x="177" y="27"/>
+                    <a:pt x="177" y="27"/>
+                  </a:cubicBezTo>
+                  <a:cubicBezTo>
+                    <a:pt x="185" y="12"/>
+                    <a:pt x="207" y="0"/>
+                    <a:pt x="225" y="0"/>
+                  </a:cubicBezTo>
+                  <a:cubicBezTo>
+                    <a:pt x="561" y="0"/>
+                    <a:pt x="561" y="0"/>
+                    <a:pt x="561" y="0"/>
+                  </a:cubicBezTo>
+                  <a:cubicBezTo>
+                    <a:pt x="578" y="0"/>
+                    <a:pt x="600" y="12"/>
+                    <a:pt x="609" y="27"/>
+                  </a:cubicBezTo>
+                  <a:cubicBezTo>
+                    <a:pt x="777" y="318"/>
+                    <a:pt x="777" y="318"/>
+                    <a:pt x="777" y="318"/>
+                  </a:cubicBezTo>
+                  <a:cubicBezTo>
+                    <a:pt x="785" y="334"/>
+                    <a:pt x="785" y="358"/>
+                    <a:pt x="777" y="374"/>
+                  </a:cubicBezTo>
+                  <a:cubicBezTo>
+                    <a:pt x="609" y="665"/>
+                    <a:pt x="609" y="665"/>
+                    <a:pt x="609" y="665"/>
+                  </a:cubicBezTo>
+                  <a:cubicBezTo>
+                    <a:pt x="600" y="680"/>
+                    <a:pt x="578" y="692"/>
+                    <a:pt x="561" y="692"/>
+                  </a:cubicBezTo>
+                  <a:lnTo>
+                    <a:pt x="225" y="692"/>
+                  </a:lnTo>
+                  <a:close/>
+                </a:path>
+              </a:pathLst>
+            </a:custGeom>
+            <a:noFill/>
+            <a:ln w="28575" cmpd="sng">
+              <a:solidFill>
+                <a:schemeClr val="bg1"/>
+              </a:solidFill>
+            </a:ln>
+          </p:spPr>
+          <p:txBody>
+            <a:bodyPr vert="horz" wrap="square" lIns="91440" tIns="45720" rIns="91440" bIns="45720" numCol="1" anchor="t" anchorCtr="0" compatLnSpc="1">
+              <a:prstTxWarp prst="textNoShape">
+                <a:avLst/>
+              </a:prstTxWarp>
+            </a:bodyPr>
+            <a:lstStyle/>
+            <a:p>
+              <a:endParaRPr lang="en-US"/>
+            </a:p>
+          </p:txBody>
+        </p:sp>
+      </p:grpSp>
       <p:pic>
         <p:nvPicPr>
-          <p:cNvPr id="2" name="Picture 1" descr="sqlserver.png"/>
+          <p:cNvPr id="3" name="Picture 2" descr="sqlserver.png">
+            <a:extLst>
+              <a:ext uri="{FF2B5EF4-FFF2-40B4-BE49-F238E27FC236}">
+                <a16:creationId xmlns:a16="http://schemas.microsoft.com/office/drawing/2014/main" id="{BAD96EEC-39F2-C222-B071-21D247CEDED0}"/>
+              </a:ext>
+            </a:extLst>
+          </p:cNvPr>
           <p:cNvPicPr>
             <a:picLocks noGrp="1" noChangeAspect="1"/>
           </p:cNvPicPr>
@@ -3117,24 +3775,20 @@
         </p:nvPicPr>
         <p:blipFill>
           <a:blip r:embed="rId2"/>
+          <a:srcRect l="2193" t="4481" r="3658" b="6674"/>
           <a:stretch>
             <a:fillRect/>
           </a:stretch>
         </p:blipFill>
         <p:spPr bwMode="auto">
           <a:xfrm>
-            <a:off x="457200" y="1524000"/>
-            <a:ext cx="8229600" cy="2222500"/>
+            <a:off x="131736" y="1619573"/>
+            <a:ext cx="6540285" cy="1666364"/>
           </a:xfrm>
           <a:prstGeom prst="rect">
             <a:avLst/>
           </a:prstGeom>
           <a:noFill/>
-          <a:ln w="9525">
-            <a:noFill/>
-            <a:headEnd/>
-            <a:tailEnd/>
-          </a:ln>
         </p:spPr>
       </p:pic>
     </p:spTree>
@@ -3170,37 +3824,6 @@
       </p:grpSpPr>
       <p:sp>
         <p:nvSpPr>
-          <p:cNvPr id="2" name="Title 1">
-            <a:extLst>
-              <a:ext uri="{FF2B5EF4-FFF2-40B4-BE49-F238E27FC236}">
-                <a16:creationId xmlns:a16="http://schemas.microsoft.com/office/drawing/2014/main" id="{F8850F8D-F08B-FD1E-123E-0F9EA58C18F7}"/>
-              </a:ext>
-            </a:extLst>
-          </p:cNvPr>
-          <p:cNvSpPr>
-            <a:spLocks noGrp="1"/>
-          </p:cNvSpPr>
-          <p:nvPr>
-            <p:ph type="title"/>
-          </p:nvPr>
-        </p:nvSpPr>
-        <p:spPr/>
-        <p:txBody>
-          <a:bodyPr/>
-          <a:lstStyle/>
-          <a:p>
-            <a:pPr marL="0" lvl="0" indent="0">
-              <a:buNone/>
-            </a:pPr>
-            <a:r>
-              <a:rPr dirty="0"/>
-              <a:t>Date functions in SQL Server:</a:t>
-            </a:r>
-          </a:p>
-        </p:txBody>
-      </p:sp>
-      <p:sp>
-        <p:nvSpPr>
           <p:cNvPr id="3" name="Content Placeholder 2">
             <a:extLst>
               <a:ext uri="{FF2B5EF4-FFF2-40B4-BE49-F238E27FC236}">
@@ -3215,7 +3838,12 @@
             <p:ph idx="1"/>
           </p:nvPr>
         </p:nvSpPr>
-        <p:spPr/>
+        <p:spPr>
+          <a:xfrm>
+            <a:off x="457200" y="874514"/>
+            <a:ext cx="8229600" cy="3394472"/>
+          </a:xfrm>
+        </p:spPr>
         <p:txBody>
           <a:bodyPr>
             <a:noAutofit/>
@@ -3656,6 +4284,163 @@
             </a:r>
             <a:endParaRPr lang="en-US" sz="1800" dirty="0">
               <a:latin typeface="Courier"/>
+            </a:endParaRPr>
+          </a:p>
+        </p:txBody>
+      </p:sp>
+      <p:sp>
+        <p:nvSpPr>
+          <p:cNvPr id="4" name="Title 1">
+            <a:extLst>
+              <a:ext uri="{FF2B5EF4-FFF2-40B4-BE49-F238E27FC236}">
+                <a16:creationId xmlns:a16="http://schemas.microsoft.com/office/drawing/2014/main" id="{616E0E7A-54E8-2C8A-9199-55DECDC0F2B6}"/>
+              </a:ext>
+            </a:extLst>
+          </p:cNvPr>
+          <p:cNvSpPr txBox="1">
+            <a:spLocks/>
+          </p:cNvSpPr>
+          <p:nvPr/>
+        </p:nvSpPr>
+        <p:spPr>
+          <a:xfrm>
+            <a:off x="0" y="1"/>
+            <a:ext cx="9144000" cy="548876"/>
+          </a:xfrm>
+          <a:prstGeom prst="rect">
+            <a:avLst/>
+          </a:prstGeom>
+          <a:solidFill>
+            <a:schemeClr val="tx1"/>
+          </a:solidFill>
+        </p:spPr>
+        <p:txBody>
+          <a:bodyPr vert="horz" lIns="91440" tIns="45720" rIns="91440" bIns="45720" rtlCol="0" anchor="ctr">
+            <a:normAutofit/>
+          </a:bodyPr>
+          <a:lstStyle>
+            <a:lvl1pPr algn="ctr" defTabSz="342900" rtl="0" eaLnBrk="1" latinLnBrk="0" hangingPunct="1">
+              <a:spcBef>
+                <a:spcPct val="0"/>
+              </a:spcBef>
+              <a:buNone/>
+              <a:defRPr sz="3300" kern="1200">
+                <a:solidFill>
+                  <a:schemeClr val="tx1"/>
+                </a:solidFill>
+                <a:latin typeface="+mj-lt"/>
+                <a:ea typeface="+mj-ea"/>
+                <a:cs typeface="+mj-cs"/>
+              </a:defRPr>
+            </a:lvl1pPr>
+          </a:lstStyle>
+          <a:p>
+            <a:pPr algn="l"/>
+            <a:r>
+              <a:rPr lang="en-US" sz="2800" dirty="0">
+                <a:solidFill>
+                  <a:schemeClr val="bg1"/>
+                </a:solidFill>
+              </a:rPr>
+              <a:t>Date functions in SQL Server:</a:t>
+            </a:r>
+            <a:endParaRPr lang="en-IN" sz="2800" dirty="0">
+              <a:solidFill>
+                <a:schemeClr val="bg1"/>
+              </a:solidFill>
+            </a:endParaRPr>
+          </a:p>
+        </p:txBody>
+      </p:sp>
+      <p:pic>
+        <p:nvPicPr>
+          <p:cNvPr id="5" name="Picture 4">
+            <a:extLst>
+              <a:ext uri="{FF2B5EF4-FFF2-40B4-BE49-F238E27FC236}">
+                <a16:creationId xmlns:a16="http://schemas.microsoft.com/office/drawing/2014/main" id="{F736C5BB-5EAC-AE3F-1027-BC4B4DC88ADF}"/>
+              </a:ext>
+            </a:extLst>
+          </p:cNvPr>
+          <p:cNvPicPr>
+            <a:picLocks noChangeAspect="1"/>
+          </p:cNvPicPr>
+          <p:nvPr/>
+        </p:nvPicPr>
+        <p:blipFill>
+          <a:blip r:embed="rId2"/>
+          <a:stretch>
+            <a:fillRect/>
+          </a:stretch>
+        </p:blipFill>
+        <p:spPr>
+          <a:xfrm>
+            <a:off x="5763675" y="51792"/>
+            <a:ext cx="3380325" cy="445294"/>
+          </a:xfrm>
+          <a:prstGeom prst="rect">
+            <a:avLst/>
+          </a:prstGeom>
+        </p:spPr>
+      </p:pic>
+      <p:sp>
+        <p:nvSpPr>
+          <p:cNvPr id="6" name="Title 1">
+            <a:extLst>
+              <a:ext uri="{FF2B5EF4-FFF2-40B4-BE49-F238E27FC236}">
+                <a16:creationId xmlns:a16="http://schemas.microsoft.com/office/drawing/2014/main" id="{4A8AB5C0-A16D-DD17-C417-4B1B29B6E862}"/>
+              </a:ext>
+            </a:extLst>
+          </p:cNvPr>
+          <p:cNvSpPr txBox="1">
+            <a:spLocks/>
+          </p:cNvSpPr>
+          <p:nvPr/>
+        </p:nvSpPr>
+        <p:spPr>
+          <a:xfrm>
+            <a:off x="0" y="4858718"/>
+            <a:ext cx="9144000" cy="284781"/>
+          </a:xfrm>
+          <a:prstGeom prst="rect">
+            <a:avLst/>
+          </a:prstGeom>
+          <a:solidFill>
+            <a:schemeClr val="tx1"/>
+          </a:solidFill>
+        </p:spPr>
+        <p:txBody>
+          <a:bodyPr vert="horz" lIns="91440" tIns="45720" rIns="91440" bIns="45720" rtlCol="0" anchor="ctr">
+            <a:normAutofit/>
+          </a:bodyPr>
+          <a:lstStyle>
+            <a:lvl1pPr algn="ctr" defTabSz="342900" rtl="0" eaLnBrk="1" latinLnBrk="0" hangingPunct="1">
+              <a:spcBef>
+                <a:spcPct val="0"/>
+              </a:spcBef>
+              <a:buNone/>
+              <a:defRPr sz="3300" kern="1200">
+                <a:solidFill>
+                  <a:schemeClr val="tx1"/>
+                </a:solidFill>
+                <a:latin typeface="+mj-lt"/>
+                <a:ea typeface="+mj-ea"/>
+                <a:cs typeface="+mj-cs"/>
+              </a:defRPr>
+            </a:lvl1pPr>
+          </a:lstStyle>
+          <a:p>
+            <a:r>
+              <a:rPr lang="en-IN" sz="1200" dirty="0">
+                <a:solidFill>
+                  <a:schemeClr val="bg1"/>
+                </a:solidFill>
+              </a:rPr>
+              <a:t>(©) tinitiate.com</a:t>
+            </a:r>
+            <a:endParaRPr lang="en-IN" sz="1000" dirty="0">
+              <a:solidFill>
+                <a:schemeClr val="bg1"/>
+              </a:solidFill>
             </a:endParaRPr>
           </a:p>
         </p:txBody>
@@ -3698,37 +4483,6 @@
       </p:grpSpPr>
       <p:sp>
         <p:nvSpPr>
-          <p:cNvPr id="2" name="Title 1">
-            <a:extLst>
-              <a:ext uri="{FF2B5EF4-FFF2-40B4-BE49-F238E27FC236}">
-                <a16:creationId xmlns:a16="http://schemas.microsoft.com/office/drawing/2014/main" id="{75EFD259-F8B4-5574-DF8F-F80469CE5625}"/>
-              </a:ext>
-            </a:extLst>
-          </p:cNvPr>
-          <p:cNvSpPr>
-            <a:spLocks noGrp="1"/>
-          </p:cNvSpPr>
-          <p:nvPr>
-            <p:ph type="title"/>
-          </p:nvPr>
-        </p:nvSpPr>
-        <p:spPr/>
-        <p:txBody>
-          <a:bodyPr/>
-          <a:lstStyle/>
-          <a:p>
-            <a:pPr marL="0" lvl="0" indent="0">
-              <a:buNone/>
-            </a:pPr>
-            <a:r>
-              <a:rPr dirty="0"/>
-              <a:t>Date functions in SQL Server:</a:t>
-            </a:r>
-          </a:p>
-        </p:txBody>
-      </p:sp>
-      <p:sp>
-        <p:nvSpPr>
           <p:cNvPr id="3" name="Content Placeholder 2">
             <a:extLst>
               <a:ext uri="{FF2B5EF4-FFF2-40B4-BE49-F238E27FC236}">
@@ -3743,7 +4497,12 @@
             <p:ph idx="1"/>
           </p:nvPr>
         </p:nvSpPr>
-        <p:spPr/>
+        <p:spPr>
+          <a:xfrm>
+            <a:off x="457200" y="874514"/>
+            <a:ext cx="8229600" cy="3394472"/>
+          </a:xfrm>
+        </p:spPr>
         <p:txBody>
           <a:bodyPr>
             <a:noAutofit/>
@@ -4120,6 +4879,163 @@
             </a:r>
             <a:endParaRPr lang="en-US" sz="1800" dirty="0">
               <a:latin typeface="Courier"/>
+            </a:endParaRPr>
+          </a:p>
+        </p:txBody>
+      </p:sp>
+      <p:sp>
+        <p:nvSpPr>
+          <p:cNvPr id="4" name="Title 1">
+            <a:extLst>
+              <a:ext uri="{FF2B5EF4-FFF2-40B4-BE49-F238E27FC236}">
+                <a16:creationId xmlns:a16="http://schemas.microsoft.com/office/drawing/2014/main" id="{332B275F-1D74-A9EF-9BD5-B251F601B614}"/>
+              </a:ext>
+            </a:extLst>
+          </p:cNvPr>
+          <p:cNvSpPr txBox="1">
+            <a:spLocks/>
+          </p:cNvSpPr>
+          <p:nvPr/>
+        </p:nvSpPr>
+        <p:spPr>
+          <a:xfrm>
+            <a:off x="0" y="1"/>
+            <a:ext cx="9144000" cy="548876"/>
+          </a:xfrm>
+          <a:prstGeom prst="rect">
+            <a:avLst/>
+          </a:prstGeom>
+          <a:solidFill>
+            <a:schemeClr val="tx1"/>
+          </a:solidFill>
+        </p:spPr>
+        <p:txBody>
+          <a:bodyPr vert="horz" lIns="91440" tIns="45720" rIns="91440" bIns="45720" rtlCol="0" anchor="ctr">
+            <a:normAutofit/>
+          </a:bodyPr>
+          <a:lstStyle>
+            <a:lvl1pPr algn="ctr" defTabSz="342900" rtl="0" eaLnBrk="1" latinLnBrk="0" hangingPunct="1">
+              <a:spcBef>
+                <a:spcPct val="0"/>
+              </a:spcBef>
+              <a:buNone/>
+              <a:defRPr sz="3300" kern="1200">
+                <a:solidFill>
+                  <a:schemeClr val="tx1"/>
+                </a:solidFill>
+                <a:latin typeface="+mj-lt"/>
+                <a:ea typeface="+mj-ea"/>
+                <a:cs typeface="+mj-cs"/>
+              </a:defRPr>
+            </a:lvl1pPr>
+          </a:lstStyle>
+          <a:p>
+            <a:pPr algn="l"/>
+            <a:r>
+              <a:rPr lang="en-US" sz="2800" dirty="0">
+                <a:solidFill>
+                  <a:schemeClr val="bg1"/>
+                </a:solidFill>
+              </a:rPr>
+              <a:t>Date functions in SQL Server:</a:t>
+            </a:r>
+            <a:endParaRPr lang="en-IN" sz="2800" dirty="0">
+              <a:solidFill>
+                <a:schemeClr val="bg1"/>
+              </a:solidFill>
+            </a:endParaRPr>
+          </a:p>
+        </p:txBody>
+      </p:sp>
+      <p:pic>
+        <p:nvPicPr>
+          <p:cNvPr id="5" name="Picture 4">
+            <a:extLst>
+              <a:ext uri="{FF2B5EF4-FFF2-40B4-BE49-F238E27FC236}">
+                <a16:creationId xmlns:a16="http://schemas.microsoft.com/office/drawing/2014/main" id="{7F4BAFE1-F962-A656-A3D2-65623FA7D641}"/>
+              </a:ext>
+            </a:extLst>
+          </p:cNvPr>
+          <p:cNvPicPr>
+            <a:picLocks noChangeAspect="1"/>
+          </p:cNvPicPr>
+          <p:nvPr/>
+        </p:nvPicPr>
+        <p:blipFill>
+          <a:blip r:embed="rId2"/>
+          <a:stretch>
+            <a:fillRect/>
+          </a:stretch>
+        </p:blipFill>
+        <p:spPr>
+          <a:xfrm>
+            <a:off x="5763675" y="51792"/>
+            <a:ext cx="3380325" cy="445294"/>
+          </a:xfrm>
+          <a:prstGeom prst="rect">
+            <a:avLst/>
+          </a:prstGeom>
+        </p:spPr>
+      </p:pic>
+      <p:sp>
+        <p:nvSpPr>
+          <p:cNvPr id="6" name="Title 1">
+            <a:extLst>
+              <a:ext uri="{FF2B5EF4-FFF2-40B4-BE49-F238E27FC236}">
+                <a16:creationId xmlns:a16="http://schemas.microsoft.com/office/drawing/2014/main" id="{F472E4DD-8628-2D84-491E-80858FE7D6C1}"/>
+              </a:ext>
+            </a:extLst>
+          </p:cNvPr>
+          <p:cNvSpPr txBox="1">
+            <a:spLocks/>
+          </p:cNvSpPr>
+          <p:nvPr/>
+        </p:nvSpPr>
+        <p:spPr>
+          <a:xfrm>
+            <a:off x="0" y="4858718"/>
+            <a:ext cx="9144000" cy="284781"/>
+          </a:xfrm>
+          <a:prstGeom prst="rect">
+            <a:avLst/>
+          </a:prstGeom>
+          <a:solidFill>
+            <a:schemeClr val="tx1"/>
+          </a:solidFill>
+        </p:spPr>
+        <p:txBody>
+          <a:bodyPr vert="horz" lIns="91440" tIns="45720" rIns="91440" bIns="45720" rtlCol="0" anchor="ctr">
+            <a:normAutofit/>
+          </a:bodyPr>
+          <a:lstStyle>
+            <a:lvl1pPr algn="ctr" defTabSz="342900" rtl="0" eaLnBrk="1" latinLnBrk="0" hangingPunct="1">
+              <a:spcBef>
+                <a:spcPct val="0"/>
+              </a:spcBef>
+              <a:buNone/>
+              <a:defRPr sz="3300" kern="1200">
+                <a:solidFill>
+                  <a:schemeClr val="tx1"/>
+                </a:solidFill>
+                <a:latin typeface="+mj-lt"/>
+                <a:ea typeface="+mj-ea"/>
+                <a:cs typeface="+mj-cs"/>
+              </a:defRPr>
+            </a:lvl1pPr>
+          </a:lstStyle>
+          <a:p>
+            <a:r>
+              <a:rPr lang="en-IN" sz="1200" dirty="0">
+                <a:solidFill>
+                  <a:schemeClr val="bg1"/>
+                </a:solidFill>
+              </a:rPr>
+              <a:t>(©) tinitiate.com</a:t>
+            </a:r>
+            <a:endParaRPr lang="en-IN" sz="1000" dirty="0">
+              <a:solidFill>
+                <a:schemeClr val="bg1"/>
+              </a:solidFill>
             </a:endParaRPr>
           </a:p>
         </p:txBody>
@@ -4162,37 +5078,6 @@
       </p:grpSpPr>
       <p:sp>
         <p:nvSpPr>
-          <p:cNvPr id="2" name="Title 1">
-            <a:extLst>
-              <a:ext uri="{FF2B5EF4-FFF2-40B4-BE49-F238E27FC236}">
-                <a16:creationId xmlns:a16="http://schemas.microsoft.com/office/drawing/2014/main" id="{BD48B6B6-81BF-B054-F986-A3B3619C7DA9}"/>
-              </a:ext>
-            </a:extLst>
-          </p:cNvPr>
-          <p:cNvSpPr>
-            <a:spLocks noGrp="1"/>
-          </p:cNvSpPr>
-          <p:nvPr>
-            <p:ph type="title"/>
-          </p:nvPr>
-        </p:nvSpPr>
-        <p:spPr/>
-        <p:txBody>
-          <a:bodyPr/>
-          <a:lstStyle/>
-          <a:p>
-            <a:pPr marL="0" lvl="0" indent="0">
-              <a:buNone/>
-            </a:pPr>
-            <a:r>
-              <a:rPr dirty="0"/>
-              <a:t>Date functions in SQL Server:</a:t>
-            </a:r>
-          </a:p>
-        </p:txBody>
-      </p:sp>
-      <p:sp>
-        <p:nvSpPr>
           <p:cNvPr id="3" name="Content Placeholder 2">
             <a:extLst>
               <a:ext uri="{FF2B5EF4-FFF2-40B4-BE49-F238E27FC236}">
@@ -4207,7 +5092,12 @@
             <p:ph idx="1"/>
           </p:nvPr>
         </p:nvSpPr>
-        <p:spPr/>
+        <p:spPr>
+          <a:xfrm>
+            <a:off x="457200" y="874514"/>
+            <a:ext cx="8229600" cy="3394472"/>
+          </a:xfrm>
+        </p:spPr>
         <p:txBody>
           <a:bodyPr>
             <a:noAutofit/>
@@ -4705,6 +5595,163 @@
             </a:r>
             <a:endParaRPr lang="en-US" sz="1800" dirty="0">
               <a:latin typeface="Courier"/>
+            </a:endParaRPr>
+          </a:p>
+        </p:txBody>
+      </p:sp>
+      <p:sp>
+        <p:nvSpPr>
+          <p:cNvPr id="4" name="Title 1">
+            <a:extLst>
+              <a:ext uri="{FF2B5EF4-FFF2-40B4-BE49-F238E27FC236}">
+                <a16:creationId xmlns:a16="http://schemas.microsoft.com/office/drawing/2014/main" id="{2599CA29-8E02-F920-ECE7-061ED7DFA7F5}"/>
+              </a:ext>
+            </a:extLst>
+          </p:cNvPr>
+          <p:cNvSpPr txBox="1">
+            <a:spLocks/>
+          </p:cNvSpPr>
+          <p:nvPr/>
+        </p:nvSpPr>
+        <p:spPr>
+          <a:xfrm>
+            <a:off x="0" y="1"/>
+            <a:ext cx="9144000" cy="548876"/>
+          </a:xfrm>
+          <a:prstGeom prst="rect">
+            <a:avLst/>
+          </a:prstGeom>
+          <a:solidFill>
+            <a:schemeClr val="tx1"/>
+          </a:solidFill>
+        </p:spPr>
+        <p:txBody>
+          <a:bodyPr vert="horz" lIns="91440" tIns="45720" rIns="91440" bIns="45720" rtlCol="0" anchor="ctr">
+            <a:normAutofit/>
+          </a:bodyPr>
+          <a:lstStyle>
+            <a:lvl1pPr algn="ctr" defTabSz="342900" rtl="0" eaLnBrk="1" latinLnBrk="0" hangingPunct="1">
+              <a:spcBef>
+                <a:spcPct val="0"/>
+              </a:spcBef>
+              <a:buNone/>
+              <a:defRPr sz="3300" kern="1200">
+                <a:solidFill>
+                  <a:schemeClr val="tx1"/>
+                </a:solidFill>
+                <a:latin typeface="+mj-lt"/>
+                <a:ea typeface="+mj-ea"/>
+                <a:cs typeface="+mj-cs"/>
+              </a:defRPr>
+            </a:lvl1pPr>
+          </a:lstStyle>
+          <a:p>
+            <a:pPr algn="l"/>
+            <a:r>
+              <a:rPr lang="en-US" sz="2800" dirty="0">
+                <a:solidFill>
+                  <a:schemeClr val="bg1"/>
+                </a:solidFill>
+              </a:rPr>
+              <a:t>Date functions in SQL Server:</a:t>
+            </a:r>
+            <a:endParaRPr lang="en-IN" sz="2800" dirty="0">
+              <a:solidFill>
+                <a:schemeClr val="bg1"/>
+              </a:solidFill>
+            </a:endParaRPr>
+          </a:p>
+        </p:txBody>
+      </p:sp>
+      <p:pic>
+        <p:nvPicPr>
+          <p:cNvPr id="5" name="Picture 4">
+            <a:extLst>
+              <a:ext uri="{FF2B5EF4-FFF2-40B4-BE49-F238E27FC236}">
+                <a16:creationId xmlns:a16="http://schemas.microsoft.com/office/drawing/2014/main" id="{203E86F4-E2F4-0BB1-CEA9-CA846E8A50C5}"/>
+              </a:ext>
+            </a:extLst>
+          </p:cNvPr>
+          <p:cNvPicPr>
+            <a:picLocks noChangeAspect="1"/>
+          </p:cNvPicPr>
+          <p:nvPr/>
+        </p:nvPicPr>
+        <p:blipFill>
+          <a:blip r:embed="rId2"/>
+          <a:stretch>
+            <a:fillRect/>
+          </a:stretch>
+        </p:blipFill>
+        <p:spPr>
+          <a:xfrm>
+            <a:off x="5763675" y="51792"/>
+            <a:ext cx="3380325" cy="445294"/>
+          </a:xfrm>
+          <a:prstGeom prst="rect">
+            <a:avLst/>
+          </a:prstGeom>
+        </p:spPr>
+      </p:pic>
+      <p:sp>
+        <p:nvSpPr>
+          <p:cNvPr id="6" name="Title 1">
+            <a:extLst>
+              <a:ext uri="{FF2B5EF4-FFF2-40B4-BE49-F238E27FC236}">
+                <a16:creationId xmlns:a16="http://schemas.microsoft.com/office/drawing/2014/main" id="{4C27F36A-A624-D84C-7C4A-799C2679C38B}"/>
+              </a:ext>
+            </a:extLst>
+          </p:cNvPr>
+          <p:cNvSpPr txBox="1">
+            <a:spLocks/>
+          </p:cNvSpPr>
+          <p:nvPr/>
+        </p:nvSpPr>
+        <p:spPr>
+          <a:xfrm>
+            <a:off x="0" y="4858718"/>
+            <a:ext cx="9144000" cy="284781"/>
+          </a:xfrm>
+          <a:prstGeom prst="rect">
+            <a:avLst/>
+          </a:prstGeom>
+          <a:solidFill>
+            <a:schemeClr val="tx1"/>
+          </a:solidFill>
+        </p:spPr>
+        <p:txBody>
+          <a:bodyPr vert="horz" lIns="91440" tIns="45720" rIns="91440" bIns="45720" rtlCol="0" anchor="ctr">
+            <a:normAutofit/>
+          </a:bodyPr>
+          <a:lstStyle>
+            <a:lvl1pPr algn="ctr" defTabSz="342900" rtl="0" eaLnBrk="1" latinLnBrk="0" hangingPunct="1">
+              <a:spcBef>
+                <a:spcPct val="0"/>
+              </a:spcBef>
+              <a:buNone/>
+              <a:defRPr sz="3300" kern="1200">
+                <a:solidFill>
+                  <a:schemeClr val="tx1"/>
+                </a:solidFill>
+                <a:latin typeface="+mj-lt"/>
+                <a:ea typeface="+mj-ea"/>
+                <a:cs typeface="+mj-cs"/>
+              </a:defRPr>
+            </a:lvl1pPr>
+          </a:lstStyle>
+          <a:p>
+            <a:r>
+              <a:rPr lang="en-IN" sz="1200" dirty="0">
+                <a:solidFill>
+                  <a:schemeClr val="bg1"/>
+                </a:solidFill>
+              </a:rPr>
+              <a:t>(©) tinitiate.com</a:t>
+            </a:r>
+            <a:endParaRPr lang="en-IN" sz="1000" dirty="0">
+              <a:solidFill>
+                <a:schemeClr val="bg1"/>
+              </a:solidFill>
             </a:endParaRPr>
           </a:p>
         </p:txBody>
@@ -4747,37 +5794,6 @@
       </p:grpSpPr>
       <p:sp>
         <p:nvSpPr>
-          <p:cNvPr id="2" name="Title 1">
-            <a:extLst>
-              <a:ext uri="{FF2B5EF4-FFF2-40B4-BE49-F238E27FC236}">
-                <a16:creationId xmlns:a16="http://schemas.microsoft.com/office/drawing/2014/main" id="{6FFEB6A1-A841-CC85-AA93-7B681EF918CF}"/>
-              </a:ext>
-            </a:extLst>
-          </p:cNvPr>
-          <p:cNvSpPr>
-            <a:spLocks noGrp="1"/>
-          </p:cNvSpPr>
-          <p:nvPr>
-            <p:ph type="title"/>
-          </p:nvPr>
-        </p:nvSpPr>
-        <p:spPr/>
-        <p:txBody>
-          <a:bodyPr/>
-          <a:lstStyle/>
-          <a:p>
-            <a:pPr marL="0" lvl="0" indent="0">
-              <a:buNone/>
-            </a:pPr>
-            <a:r>
-              <a:rPr dirty="0"/>
-              <a:t>Date functions in SQL Server:</a:t>
-            </a:r>
-          </a:p>
-        </p:txBody>
-      </p:sp>
-      <p:sp>
-        <p:nvSpPr>
           <p:cNvPr id="3" name="Content Placeholder 2">
             <a:extLst>
               <a:ext uri="{FF2B5EF4-FFF2-40B4-BE49-F238E27FC236}">
@@ -4792,7 +5808,12 @@
             <p:ph idx="1"/>
           </p:nvPr>
         </p:nvSpPr>
-        <p:spPr/>
+        <p:spPr>
+          <a:xfrm>
+            <a:off x="457200" y="874514"/>
+            <a:ext cx="8229600" cy="3394472"/>
+          </a:xfrm>
+        </p:spPr>
         <p:txBody>
           <a:bodyPr>
             <a:noAutofit/>
@@ -5112,6 +6133,163 @@
               </a:rPr>
               <a:t> datetime;</a:t>
             </a:r>
+          </a:p>
+        </p:txBody>
+      </p:sp>
+      <p:sp>
+        <p:nvSpPr>
+          <p:cNvPr id="4" name="Title 1">
+            <a:extLst>
+              <a:ext uri="{FF2B5EF4-FFF2-40B4-BE49-F238E27FC236}">
+                <a16:creationId xmlns:a16="http://schemas.microsoft.com/office/drawing/2014/main" id="{91EFBF19-ED62-1715-4BC8-3E297509849C}"/>
+              </a:ext>
+            </a:extLst>
+          </p:cNvPr>
+          <p:cNvSpPr txBox="1">
+            <a:spLocks/>
+          </p:cNvSpPr>
+          <p:nvPr/>
+        </p:nvSpPr>
+        <p:spPr>
+          <a:xfrm>
+            <a:off x="0" y="1"/>
+            <a:ext cx="9144000" cy="548876"/>
+          </a:xfrm>
+          <a:prstGeom prst="rect">
+            <a:avLst/>
+          </a:prstGeom>
+          <a:solidFill>
+            <a:schemeClr val="tx1"/>
+          </a:solidFill>
+        </p:spPr>
+        <p:txBody>
+          <a:bodyPr vert="horz" lIns="91440" tIns="45720" rIns="91440" bIns="45720" rtlCol="0" anchor="ctr">
+            <a:normAutofit/>
+          </a:bodyPr>
+          <a:lstStyle>
+            <a:lvl1pPr algn="ctr" defTabSz="342900" rtl="0" eaLnBrk="1" latinLnBrk="0" hangingPunct="1">
+              <a:spcBef>
+                <a:spcPct val="0"/>
+              </a:spcBef>
+              <a:buNone/>
+              <a:defRPr sz="3300" kern="1200">
+                <a:solidFill>
+                  <a:schemeClr val="tx1"/>
+                </a:solidFill>
+                <a:latin typeface="+mj-lt"/>
+                <a:ea typeface="+mj-ea"/>
+                <a:cs typeface="+mj-cs"/>
+              </a:defRPr>
+            </a:lvl1pPr>
+          </a:lstStyle>
+          <a:p>
+            <a:pPr algn="l"/>
+            <a:r>
+              <a:rPr lang="en-US" sz="2800" dirty="0">
+                <a:solidFill>
+                  <a:schemeClr val="bg1"/>
+                </a:solidFill>
+              </a:rPr>
+              <a:t>Date functions in SQL Server:</a:t>
+            </a:r>
+            <a:endParaRPr lang="en-IN" sz="2800" dirty="0">
+              <a:solidFill>
+                <a:schemeClr val="bg1"/>
+              </a:solidFill>
+            </a:endParaRPr>
+          </a:p>
+        </p:txBody>
+      </p:sp>
+      <p:pic>
+        <p:nvPicPr>
+          <p:cNvPr id="5" name="Picture 4">
+            <a:extLst>
+              <a:ext uri="{FF2B5EF4-FFF2-40B4-BE49-F238E27FC236}">
+                <a16:creationId xmlns:a16="http://schemas.microsoft.com/office/drawing/2014/main" id="{C82BFAE9-BC0B-5A29-F314-16BAEFB169BB}"/>
+              </a:ext>
+            </a:extLst>
+          </p:cNvPr>
+          <p:cNvPicPr>
+            <a:picLocks noChangeAspect="1"/>
+          </p:cNvPicPr>
+          <p:nvPr/>
+        </p:nvPicPr>
+        <p:blipFill>
+          <a:blip r:embed="rId2"/>
+          <a:stretch>
+            <a:fillRect/>
+          </a:stretch>
+        </p:blipFill>
+        <p:spPr>
+          <a:xfrm>
+            <a:off x="5763675" y="51792"/>
+            <a:ext cx="3380325" cy="445294"/>
+          </a:xfrm>
+          <a:prstGeom prst="rect">
+            <a:avLst/>
+          </a:prstGeom>
+        </p:spPr>
+      </p:pic>
+      <p:sp>
+        <p:nvSpPr>
+          <p:cNvPr id="6" name="Title 1">
+            <a:extLst>
+              <a:ext uri="{FF2B5EF4-FFF2-40B4-BE49-F238E27FC236}">
+                <a16:creationId xmlns:a16="http://schemas.microsoft.com/office/drawing/2014/main" id="{B67193C6-B415-15A0-1313-4EF03AF06AB6}"/>
+              </a:ext>
+            </a:extLst>
+          </p:cNvPr>
+          <p:cNvSpPr txBox="1">
+            <a:spLocks/>
+          </p:cNvSpPr>
+          <p:nvPr/>
+        </p:nvSpPr>
+        <p:spPr>
+          <a:xfrm>
+            <a:off x="0" y="4858718"/>
+            <a:ext cx="9144000" cy="284781"/>
+          </a:xfrm>
+          <a:prstGeom prst="rect">
+            <a:avLst/>
+          </a:prstGeom>
+          <a:solidFill>
+            <a:schemeClr val="tx1"/>
+          </a:solidFill>
+        </p:spPr>
+        <p:txBody>
+          <a:bodyPr vert="horz" lIns="91440" tIns="45720" rIns="91440" bIns="45720" rtlCol="0" anchor="ctr">
+            <a:normAutofit/>
+          </a:bodyPr>
+          <a:lstStyle>
+            <a:lvl1pPr algn="ctr" defTabSz="342900" rtl="0" eaLnBrk="1" latinLnBrk="0" hangingPunct="1">
+              <a:spcBef>
+                <a:spcPct val="0"/>
+              </a:spcBef>
+              <a:buNone/>
+              <a:defRPr sz="3300" kern="1200">
+                <a:solidFill>
+                  <a:schemeClr val="tx1"/>
+                </a:solidFill>
+                <a:latin typeface="+mj-lt"/>
+                <a:ea typeface="+mj-ea"/>
+                <a:cs typeface="+mj-cs"/>
+              </a:defRPr>
+            </a:lvl1pPr>
+          </a:lstStyle>
+          <a:p>
+            <a:r>
+              <a:rPr lang="en-IN" sz="1200" dirty="0">
+                <a:solidFill>
+                  <a:schemeClr val="bg1"/>
+                </a:solidFill>
+              </a:rPr>
+              <a:t>(©) tinitiate.com</a:t>
+            </a:r>
+            <a:endParaRPr lang="en-IN" sz="1000" dirty="0">
+              <a:solidFill>
+                <a:schemeClr val="bg1"/>
+              </a:solidFill>
+            </a:endParaRPr>
           </a:p>
         </p:txBody>
       </p:sp>
@@ -5153,37 +6331,6 @@
       </p:grpSpPr>
       <p:sp>
         <p:nvSpPr>
-          <p:cNvPr id="2" name="Title 1">
-            <a:extLst>
-              <a:ext uri="{FF2B5EF4-FFF2-40B4-BE49-F238E27FC236}">
-                <a16:creationId xmlns:a16="http://schemas.microsoft.com/office/drawing/2014/main" id="{A7FB34B2-2FA9-56DA-0EA6-E11B593353B3}"/>
-              </a:ext>
-            </a:extLst>
-          </p:cNvPr>
-          <p:cNvSpPr>
-            <a:spLocks noGrp="1"/>
-          </p:cNvSpPr>
-          <p:nvPr>
-            <p:ph type="title"/>
-          </p:nvPr>
-        </p:nvSpPr>
-        <p:spPr/>
-        <p:txBody>
-          <a:bodyPr/>
-          <a:lstStyle/>
-          <a:p>
-            <a:pPr marL="0" lvl="0" indent="0">
-              <a:buNone/>
-            </a:pPr>
-            <a:r>
-              <a:rPr dirty="0"/>
-              <a:t>Date functions in SQL Server:</a:t>
-            </a:r>
-          </a:p>
-        </p:txBody>
-      </p:sp>
-      <p:sp>
-        <p:nvSpPr>
           <p:cNvPr id="3" name="Content Placeholder 2">
             <a:extLst>
               <a:ext uri="{FF2B5EF4-FFF2-40B4-BE49-F238E27FC236}">
@@ -5198,7 +6345,12 @@
             <p:ph idx="1"/>
           </p:nvPr>
         </p:nvSpPr>
-        <p:spPr/>
+        <p:spPr>
+          <a:xfrm>
+            <a:off x="457200" y="874514"/>
+            <a:ext cx="8229600" cy="3394472"/>
+          </a:xfrm>
+        </p:spPr>
         <p:txBody>
           <a:bodyPr>
             <a:noAutofit/>
@@ -5388,6 +6540,163 @@
               </a:rPr>
               <a:t> datetime;</a:t>
             </a:r>
+          </a:p>
+        </p:txBody>
+      </p:sp>
+      <p:sp>
+        <p:nvSpPr>
+          <p:cNvPr id="4" name="Title 1">
+            <a:extLst>
+              <a:ext uri="{FF2B5EF4-FFF2-40B4-BE49-F238E27FC236}">
+                <a16:creationId xmlns:a16="http://schemas.microsoft.com/office/drawing/2014/main" id="{A3CD2160-DE11-5777-A530-D43D31D27D6C}"/>
+              </a:ext>
+            </a:extLst>
+          </p:cNvPr>
+          <p:cNvSpPr txBox="1">
+            <a:spLocks/>
+          </p:cNvSpPr>
+          <p:nvPr/>
+        </p:nvSpPr>
+        <p:spPr>
+          <a:xfrm>
+            <a:off x="0" y="1"/>
+            <a:ext cx="9144000" cy="548876"/>
+          </a:xfrm>
+          <a:prstGeom prst="rect">
+            <a:avLst/>
+          </a:prstGeom>
+          <a:solidFill>
+            <a:schemeClr val="tx1"/>
+          </a:solidFill>
+        </p:spPr>
+        <p:txBody>
+          <a:bodyPr vert="horz" lIns="91440" tIns="45720" rIns="91440" bIns="45720" rtlCol="0" anchor="ctr">
+            <a:normAutofit/>
+          </a:bodyPr>
+          <a:lstStyle>
+            <a:lvl1pPr algn="ctr" defTabSz="342900" rtl="0" eaLnBrk="1" latinLnBrk="0" hangingPunct="1">
+              <a:spcBef>
+                <a:spcPct val="0"/>
+              </a:spcBef>
+              <a:buNone/>
+              <a:defRPr sz="3300" kern="1200">
+                <a:solidFill>
+                  <a:schemeClr val="tx1"/>
+                </a:solidFill>
+                <a:latin typeface="+mj-lt"/>
+                <a:ea typeface="+mj-ea"/>
+                <a:cs typeface="+mj-cs"/>
+              </a:defRPr>
+            </a:lvl1pPr>
+          </a:lstStyle>
+          <a:p>
+            <a:pPr algn="l"/>
+            <a:r>
+              <a:rPr lang="en-US" sz="2800" dirty="0">
+                <a:solidFill>
+                  <a:schemeClr val="bg1"/>
+                </a:solidFill>
+              </a:rPr>
+              <a:t>Date functions in SQL Server:</a:t>
+            </a:r>
+            <a:endParaRPr lang="en-IN" sz="2800" dirty="0">
+              <a:solidFill>
+                <a:schemeClr val="bg1"/>
+              </a:solidFill>
+            </a:endParaRPr>
+          </a:p>
+        </p:txBody>
+      </p:sp>
+      <p:pic>
+        <p:nvPicPr>
+          <p:cNvPr id="5" name="Picture 4">
+            <a:extLst>
+              <a:ext uri="{FF2B5EF4-FFF2-40B4-BE49-F238E27FC236}">
+                <a16:creationId xmlns:a16="http://schemas.microsoft.com/office/drawing/2014/main" id="{8C46D9A9-0923-A65C-71C4-DE684D3C480A}"/>
+              </a:ext>
+            </a:extLst>
+          </p:cNvPr>
+          <p:cNvPicPr>
+            <a:picLocks noChangeAspect="1"/>
+          </p:cNvPicPr>
+          <p:nvPr/>
+        </p:nvPicPr>
+        <p:blipFill>
+          <a:blip r:embed="rId2"/>
+          <a:stretch>
+            <a:fillRect/>
+          </a:stretch>
+        </p:blipFill>
+        <p:spPr>
+          <a:xfrm>
+            <a:off x="5763675" y="51792"/>
+            <a:ext cx="3380325" cy="445294"/>
+          </a:xfrm>
+          <a:prstGeom prst="rect">
+            <a:avLst/>
+          </a:prstGeom>
+        </p:spPr>
+      </p:pic>
+      <p:sp>
+        <p:nvSpPr>
+          <p:cNvPr id="6" name="Title 1">
+            <a:extLst>
+              <a:ext uri="{FF2B5EF4-FFF2-40B4-BE49-F238E27FC236}">
+                <a16:creationId xmlns:a16="http://schemas.microsoft.com/office/drawing/2014/main" id="{7FF238DE-EBE4-9DAE-38F3-6BA733C0B70D}"/>
+              </a:ext>
+            </a:extLst>
+          </p:cNvPr>
+          <p:cNvSpPr txBox="1">
+            <a:spLocks/>
+          </p:cNvSpPr>
+          <p:nvPr/>
+        </p:nvSpPr>
+        <p:spPr>
+          <a:xfrm>
+            <a:off x="0" y="4858718"/>
+            <a:ext cx="9144000" cy="284781"/>
+          </a:xfrm>
+          <a:prstGeom prst="rect">
+            <a:avLst/>
+          </a:prstGeom>
+          <a:solidFill>
+            <a:schemeClr val="tx1"/>
+          </a:solidFill>
+        </p:spPr>
+        <p:txBody>
+          <a:bodyPr vert="horz" lIns="91440" tIns="45720" rIns="91440" bIns="45720" rtlCol="0" anchor="ctr">
+            <a:normAutofit/>
+          </a:bodyPr>
+          <a:lstStyle>
+            <a:lvl1pPr algn="ctr" defTabSz="342900" rtl="0" eaLnBrk="1" latinLnBrk="0" hangingPunct="1">
+              <a:spcBef>
+                <a:spcPct val="0"/>
+              </a:spcBef>
+              <a:buNone/>
+              <a:defRPr sz="3300" kern="1200">
+                <a:solidFill>
+                  <a:schemeClr val="tx1"/>
+                </a:solidFill>
+                <a:latin typeface="+mj-lt"/>
+                <a:ea typeface="+mj-ea"/>
+                <a:cs typeface="+mj-cs"/>
+              </a:defRPr>
+            </a:lvl1pPr>
+          </a:lstStyle>
+          <a:p>
+            <a:r>
+              <a:rPr lang="en-IN" sz="1200" dirty="0">
+                <a:solidFill>
+                  <a:schemeClr val="bg1"/>
+                </a:solidFill>
+              </a:rPr>
+              <a:t>(©) tinitiate.com</a:t>
+            </a:r>
+            <a:endParaRPr lang="en-IN" sz="1000" dirty="0">
+              <a:solidFill>
+                <a:schemeClr val="bg1"/>
+              </a:solidFill>
+            </a:endParaRPr>
           </a:p>
         </p:txBody>
       </p:sp>
@@ -5423,43 +6732,6 @@
       </p:grpSpPr>
       <p:sp>
         <p:nvSpPr>
-          <p:cNvPr id="2" name="Title 1"/>
-          <p:cNvSpPr>
-            <a:spLocks noGrp="1"/>
-          </p:cNvSpPr>
-          <p:nvPr>
-            <p:ph type="title"/>
-          </p:nvPr>
-        </p:nvSpPr>
-        <p:spPr/>
-        <p:txBody>
-          <a:bodyPr/>
-          <a:lstStyle/>
-          <a:p>
-            <a:pPr marL="0" lvl="0" indent="0">
-              <a:buNone/>
-            </a:pPr>
-            <a:r>
-              <a:rPr dirty="0" err="1"/>
-              <a:t>DateTime</a:t>
-            </a:r>
-            <a:r>
-              <a:rPr dirty="0"/>
-              <a:t> and </a:t>
-            </a:r>
-            <a:r>
-              <a:rPr dirty="0" err="1"/>
-              <a:t>TimeZone</a:t>
-            </a:r>
-            <a:r>
-              <a:rPr dirty="0"/>
-              <a:t>:</a:t>
-            </a:r>
-          </a:p>
-        </p:txBody>
-      </p:sp>
-      <p:sp>
-        <p:nvSpPr>
           <p:cNvPr id="3" name="Content Placeholder 2"/>
           <p:cNvSpPr>
             <a:spLocks noGrp="1"/>
@@ -5468,7 +6740,12 @@
             <p:ph idx="1"/>
           </p:nvPr>
         </p:nvSpPr>
-        <p:spPr/>
+        <p:spPr>
+          <a:xfrm>
+            <a:off x="457200" y="874514"/>
+            <a:ext cx="8229600" cy="3394472"/>
+          </a:xfrm>
+        </p:spPr>
         <p:txBody>
           <a:bodyPr>
             <a:noAutofit/>
@@ -5552,6 +6829,182 @@
             </a:r>
             <a:endParaRPr sz="1800" dirty="0">
               <a:latin typeface="Courier"/>
+            </a:endParaRPr>
+          </a:p>
+        </p:txBody>
+      </p:sp>
+      <p:sp>
+        <p:nvSpPr>
+          <p:cNvPr id="4" name="Title 1">
+            <a:extLst>
+              <a:ext uri="{FF2B5EF4-FFF2-40B4-BE49-F238E27FC236}">
+                <a16:creationId xmlns:a16="http://schemas.microsoft.com/office/drawing/2014/main" id="{87DB23EE-EE19-89AF-B888-A4708BEF35F3}"/>
+              </a:ext>
+            </a:extLst>
+          </p:cNvPr>
+          <p:cNvSpPr txBox="1">
+            <a:spLocks/>
+          </p:cNvSpPr>
+          <p:nvPr/>
+        </p:nvSpPr>
+        <p:spPr>
+          <a:xfrm>
+            <a:off x="0" y="1"/>
+            <a:ext cx="9144000" cy="548876"/>
+          </a:xfrm>
+          <a:prstGeom prst="rect">
+            <a:avLst/>
+          </a:prstGeom>
+          <a:solidFill>
+            <a:schemeClr val="tx1"/>
+          </a:solidFill>
+        </p:spPr>
+        <p:txBody>
+          <a:bodyPr vert="horz" lIns="91440" tIns="45720" rIns="91440" bIns="45720" rtlCol="0" anchor="ctr">
+            <a:normAutofit/>
+          </a:bodyPr>
+          <a:lstStyle>
+            <a:lvl1pPr algn="ctr" defTabSz="342900" rtl="0" eaLnBrk="1" latinLnBrk="0" hangingPunct="1">
+              <a:spcBef>
+                <a:spcPct val="0"/>
+              </a:spcBef>
+              <a:buNone/>
+              <a:defRPr sz="3300" kern="1200">
+                <a:solidFill>
+                  <a:schemeClr val="tx1"/>
+                </a:solidFill>
+                <a:latin typeface="+mj-lt"/>
+                <a:ea typeface="+mj-ea"/>
+                <a:cs typeface="+mj-cs"/>
+              </a:defRPr>
+            </a:lvl1pPr>
+          </a:lstStyle>
+          <a:p>
+            <a:pPr algn="l"/>
+            <a:r>
+              <a:rPr lang="en-IN" sz="2800" dirty="0" err="1">
+                <a:solidFill>
+                  <a:schemeClr val="bg1"/>
+                </a:solidFill>
+              </a:rPr>
+              <a:t>DateTime</a:t>
+            </a:r>
+            <a:r>
+              <a:rPr lang="en-IN" sz="2800" dirty="0">
+                <a:solidFill>
+                  <a:schemeClr val="bg1"/>
+                </a:solidFill>
+              </a:rPr>
+              <a:t> and </a:t>
+            </a:r>
+            <a:r>
+              <a:rPr lang="en-IN" sz="2800" dirty="0" err="1">
+                <a:solidFill>
+                  <a:schemeClr val="bg1"/>
+                </a:solidFill>
+              </a:rPr>
+              <a:t>TimeZone</a:t>
+            </a:r>
+            <a:r>
+              <a:rPr lang="en-IN" sz="2800" dirty="0">
+                <a:solidFill>
+                  <a:schemeClr val="bg1"/>
+                </a:solidFill>
+              </a:rPr>
+              <a:t>:</a:t>
+            </a:r>
+          </a:p>
+        </p:txBody>
+      </p:sp>
+      <p:pic>
+        <p:nvPicPr>
+          <p:cNvPr id="5" name="Picture 4">
+            <a:extLst>
+              <a:ext uri="{FF2B5EF4-FFF2-40B4-BE49-F238E27FC236}">
+                <a16:creationId xmlns:a16="http://schemas.microsoft.com/office/drawing/2014/main" id="{7968BFA3-F79E-93D2-C857-6CFBDFE4C887}"/>
+              </a:ext>
+            </a:extLst>
+          </p:cNvPr>
+          <p:cNvPicPr>
+            <a:picLocks noChangeAspect="1"/>
+          </p:cNvPicPr>
+          <p:nvPr/>
+        </p:nvPicPr>
+        <p:blipFill>
+          <a:blip r:embed="rId2"/>
+          <a:stretch>
+            <a:fillRect/>
+          </a:stretch>
+        </p:blipFill>
+        <p:spPr>
+          <a:xfrm>
+            <a:off x="5763675" y="51792"/>
+            <a:ext cx="3380325" cy="445294"/>
+          </a:xfrm>
+          <a:prstGeom prst="rect">
+            <a:avLst/>
+          </a:prstGeom>
+        </p:spPr>
+      </p:pic>
+      <p:sp>
+        <p:nvSpPr>
+          <p:cNvPr id="6" name="Title 1">
+            <a:extLst>
+              <a:ext uri="{FF2B5EF4-FFF2-40B4-BE49-F238E27FC236}">
+                <a16:creationId xmlns:a16="http://schemas.microsoft.com/office/drawing/2014/main" id="{63FED5FF-2D5F-C260-D4D1-06D96FF9F9FD}"/>
+              </a:ext>
+            </a:extLst>
+          </p:cNvPr>
+          <p:cNvSpPr txBox="1">
+            <a:spLocks/>
+          </p:cNvSpPr>
+          <p:nvPr/>
+        </p:nvSpPr>
+        <p:spPr>
+          <a:xfrm>
+            <a:off x="0" y="4858718"/>
+            <a:ext cx="9144000" cy="284781"/>
+          </a:xfrm>
+          <a:prstGeom prst="rect">
+            <a:avLst/>
+          </a:prstGeom>
+          <a:solidFill>
+            <a:schemeClr val="tx1"/>
+          </a:solidFill>
+        </p:spPr>
+        <p:txBody>
+          <a:bodyPr vert="horz" lIns="91440" tIns="45720" rIns="91440" bIns="45720" rtlCol="0" anchor="ctr">
+            <a:normAutofit/>
+          </a:bodyPr>
+          <a:lstStyle>
+            <a:lvl1pPr algn="ctr" defTabSz="342900" rtl="0" eaLnBrk="1" latinLnBrk="0" hangingPunct="1">
+              <a:spcBef>
+                <a:spcPct val="0"/>
+              </a:spcBef>
+              <a:buNone/>
+              <a:defRPr sz="3300" kern="1200">
+                <a:solidFill>
+                  <a:schemeClr val="tx1"/>
+                </a:solidFill>
+                <a:latin typeface="+mj-lt"/>
+                <a:ea typeface="+mj-ea"/>
+                <a:cs typeface="+mj-cs"/>
+              </a:defRPr>
+            </a:lvl1pPr>
+          </a:lstStyle>
+          <a:p>
+            <a:r>
+              <a:rPr lang="en-IN" sz="1200" dirty="0">
+                <a:solidFill>
+                  <a:schemeClr val="bg1"/>
+                </a:solidFill>
+              </a:rPr>
+              <a:t>(©) tinitiate.com</a:t>
+            </a:r>
+            <a:endParaRPr lang="en-IN" sz="1000" dirty="0">
+              <a:solidFill>
+                <a:schemeClr val="bg1"/>
+              </a:solidFill>
             </a:endParaRPr>
           </a:p>
         </p:txBody>
@@ -5589,49 +7042,6 @@
       </p:grpSpPr>
       <p:sp>
         <p:nvSpPr>
-          <p:cNvPr id="2" name="Title 1">
-            <a:extLst>
-              <a:ext uri="{FF2B5EF4-FFF2-40B4-BE49-F238E27FC236}">
-                <a16:creationId xmlns:a16="http://schemas.microsoft.com/office/drawing/2014/main" id="{3FCA1A1C-D0E0-2190-67F1-6AF8915329A5}"/>
-              </a:ext>
-            </a:extLst>
-          </p:cNvPr>
-          <p:cNvSpPr>
-            <a:spLocks noGrp="1"/>
-          </p:cNvSpPr>
-          <p:nvPr>
-            <p:ph type="title"/>
-          </p:nvPr>
-        </p:nvSpPr>
-        <p:spPr/>
-        <p:txBody>
-          <a:bodyPr/>
-          <a:lstStyle/>
-          <a:p>
-            <a:pPr marL="0" lvl="0" indent="0">
-              <a:buNone/>
-            </a:pPr>
-            <a:r>
-              <a:rPr dirty="0" err="1"/>
-              <a:t>DateTime</a:t>
-            </a:r>
-            <a:r>
-              <a:rPr dirty="0"/>
-              <a:t> and </a:t>
-            </a:r>
-            <a:r>
-              <a:rPr dirty="0" err="1"/>
-              <a:t>TimeZone</a:t>
-            </a:r>
-            <a:r>
-              <a:rPr dirty="0"/>
-              <a:t>:</a:t>
-            </a:r>
-          </a:p>
-        </p:txBody>
-      </p:sp>
-      <p:sp>
-        <p:nvSpPr>
           <p:cNvPr id="3" name="Content Placeholder 2">
             <a:extLst>
               <a:ext uri="{FF2B5EF4-FFF2-40B4-BE49-F238E27FC236}">
@@ -5646,7 +7056,12 @@
             <p:ph idx="1"/>
           </p:nvPr>
         </p:nvSpPr>
-        <p:spPr/>
+        <p:spPr>
+          <a:xfrm>
+            <a:off x="457200" y="874514"/>
+            <a:ext cx="8229600" cy="3394472"/>
+          </a:xfrm>
+        </p:spPr>
         <p:txBody>
           <a:bodyPr>
             <a:noAutofit/>
@@ -5830,6 +7245,182 @@
               </a:rPr>
               <a:t>;</a:t>
             </a:r>
+          </a:p>
+        </p:txBody>
+      </p:sp>
+      <p:sp>
+        <p:nvSpPr>
+          <p:cNvPr id="4" name="Title 1">
+            <a:extLst>
+              <a:ext uri="{FF2B5EF4-FFF2-40B4-BE49-F238E27FC236}">
+                <a16:creationId xmlns:a16="http://schemas.microsoft.com/office/drawing/2014/main" id="{7E151277-8F6C-B746-9E99-66452DD05709}"/>
+              </a:ext>
+            </a:extLst>
+          </p:cNvPr>
+          <p:cNvSpPr txBox="1">
+            <a:spLocks/>
+          </p:cNvSpPr>
+          <p:nvPr/>
+        </p:nvSpPr>
+        <p:spPr>
+          <a:xfrm>
+            <a:off x="0" y="1"/>
+            <a:ext cx="9144000" cy="548876"/>
+          </a:xfrm>
+          <a:prstGeom prst="rect">
+            <a:avLst/>
+          </a:prstGeom>
+          <a:solidFill>
+            <a:schemeClr val="tx1"/>
+          </a:solidFill>
+        </p:spPr>
+        <p:txBody>
+          <a:bodyPr vert="horz" lIns="91440" tIns="45720" rIns="91440" bIns="45720" rtlCol="0" anchor="ctr">
+            <a:normAutofit/>
+          </a:bodyPr>
+          <a:lstStyle>
+            <a:lvl1pPr algn="ctr" defTabSz="342900" rtl="0" eaLnBrk="1" latinLnBrk="0" hangingPunct="1">
+              <a:spcBef>
+                <a:spcPct val="0"/>
+              </a:spcBef>
+              <a:buNone/>
+              <a:defRPr sz="3300" kern="1200">
+                <a:solidFill>
+                  <a:schemeClr val="tx1"/>
+                </a:solidFill>
+                <a:latin typeface="+mj-lt"/>
+                <a:ea typeface="+mj-ea"/>
+                <a:cs typeface="+mj-cs"/>
+              </a:defRPr>
+            </a:lvl1pPr>
+          </a:lstStyle>
+          <a:p>
+            <a:pPr algn="l"/>
+            <a:r>
+              <a:rPr lang="en-IN" sz="2800" dirty="0" err="1">
+                <a:solidFill>
+                  <a:schemeClr val="bg1"/>
+                </a:solidFill>
+              </a:rPr>
+              <a:t>DateTime</a:t>
+            </a:r>
+            <a:r>
+              <a:rPr lang="en-IN" sz="2800" dirty="0">
+                <a:solidFill>
+                  <a:schemeClr val="bg1"/>
+                </a:solidFill>
+              </a:rPr>
+              <a:t> and </a:t>
+            </a:r>
+            <a:r>
+              <a:rPr lang="en-IN" sz="2800" dirty="0" err="1">
+                <a:solidFill>
+                  <a:schemeClr val="bg1"/>
+                </a:solidFill>
+              </a:rPr>
+              <a:t>TimeZone</a:t>
+            </a:r>
+            <a:r>
+              <a:rPr lang="en-IN" sz="2800" dirty="0">
+                <a:solidFill>
+                  <a:schemeClr val="bg1"/>
+                </a:solidFill>
+              </a:rPr>
+              <a:t>:</a:t>
+            </a:r>
+          </a:p>
+        </p:txBody>
+      </p:sp>
+      <p:pic>
+        <p:nvPicPr>
+          <p:cNvPr id="5" name="Picture 4">
+            <a:extLst>
+              <a:ext uri="{FF2B5EF4-FFF2-40B4-BE49-F238E27FC236}">
+                <a16:creationId xmlns:a16="http://schemas.microsoft.com/office/drawing/2014/main" id="{9D988C81-FC46-27BF-4D37-0E1C7440F47A}"/>
+              </a:ext>
+            </a:extLst>
+          </p:cNvPr>
+          <p:cNvPicPr>
+            <a:picLocks noChangeAspect="1"/>
+          </p:cNvPicPr>
+          <p:nvPr/>
+        </p:nvPicPr>
+        <p:blipFill>
+          <a:blip r:embed="rId2"/>
+          <a:stretch>
+            <a:fillRect/>
+          </a:stretch>
+        </p:blipFill>
+        <p:spPr>
+          <a:xfrm>
+            <a:off x="5763675" y="51792"/>
+            <a:ext cx="3380325" cy="445294"/>
+          </a:xfrm>
+          <a:prstGeom prst="rect">
+            <a:avLst/>
+          </a:prstGeom>
+        </p:spPr>
+      </p:pic>
+      <p:sp>
+        <p:nvSpPr>
+          <p:cNvPr id="6" name="Title 1">
+            <a:extLst>
+              <a:ext uri="{FF2B5EF4-FFF2-40B4-BE49-F238E27FC236}">
+                <a16:creationId xmlns:a16="http://schemas.microsoft.com/office/drawing/2014/main" id="{F8152471-2C6A-9AF8-3DB1-5CC58229A8C6}"/>
+              </a:ext>
+            </a:extLst>
+          </p:cNvPr>
+          <p:cNvSpPr txBox="1">
+            <a:spLocks/>
+          </p:cNvSpPr>
+          <p:nvPr/>
+        </p:nvSpPr>
+        <p:spPr>
+          <a:xfrm>
+            <a:off x="0" y="4858718"/>
+            <a:ext cx="9144000" cy="284781"/>
+          </a:xfrm>
+          <a:prstGeom prst="rect">
+            <a:avLst/>
+          </a:prstGeom>
+          <a:solidFill>
+            <a:schemeClr val="tx1"/>
+          </a:solidFill>
+        </p:spPr>
+        <p:txBody>
+          <a:bodyPr vert="horz" lIns="91440" tIns="45720" rIns="91440" bIns="45720" rtlCol="0" anchor="ctr">
+            <a:normAutofit/>
+          </a:bodyPr>
+          <a:lstStyle>
+            <a:lvl1pPr algn="ctr" defTabSz="342900" rtl="0" eaLnBrk="1" latinLnBrk="0" hangingPunct="1">
+              <a:spcBef>
+                <a:spcPct val="0"/>
+              </a:spcBef>
+              <a:buNone/>
+              <a:defRPr sz="3300" kern="1200">
+                <a:solidFill>
+                  <a:schemeClr val="tx1"/>
+                </a:solidFill>
+                <a:latin typeface="+mj-lt"/>
+                <a:ea typeface="+mj-ea"/>
+                <a:cs typeface="+mj-cs"/>
+              </a:defRPr>
+            </a:lvl1pPr>
+          </a:lstStyle>
+          <a:p>
+            <a:r>
+              <a:rPr lang="en-IN" sz="1200" dirty="0">
+                <a:solidFill>
+                  <a:schemeClr val="bg1"/>
+                </a:solidFill>
+              </a:rPr>
+              <a:t>(©) tinitiate.com</a:t>
+            </a:r>
+            <a:endParaRPr lang="en-IN" sz="1000" dirty="0">
+              <a:solidFill>
+                <a:schemeClr val="bg1"/>
+              </a:solidFill>
+            </a:endParaRPr>
           </a:p>
         </p:txBody>
       </p:sp>
@@ -5871,49 +7462,6 @@
       </p:grpSpPr>
       <p:sp>
         <p:nvSpPr>
-          <p:cNvPr id="2" name="Title 1">
-            <a:extLst>
-              <a:ext uri="{FF2B5EF4-FFF2-40B4-BE49-F238E27FC236}">
-                <a16:creationId xmlns:a16="http://schemas.microsoft.com/office/drawing/2014/main" id="{454026A9-4254-2795-0633-EC2E25272642}"/>
-              </a:ext>
-            </a:extLst>
-          </p:cNvPr>
-          <p:cNvSpPr>
-            <a:spLocks noGrp="1"/>
-          </p:cNvSpPr>
-          <p:nvPr>
-            <p:ph type="title"/>
-          </p:nvPr>
-        </p:nvSpPr>
-        <p:spPr/>
-        <p:txBody>
-          <a:bodyPr/>
-          <a:lstStyle/>
-          <a:p>
-            <a:pPr marL="0" lvl="0" indent="0">
-              <a:buNone/>
-            </a:pPr>
-            <a:r>
-              <a:rPr dirty="0" err="1"/>
-              <a:t>DateTime</a:t>
-            </a:r>
-            <a:r>
-              <a:rPr dirty="0"/>
-              <a:t> and </a:t>
-            </a:r>
-            <a:r>
-              <a:rPr dirty="0" err="1"/>
-              <a:t>TimeZone</a:t>
-            </a:r>
-            <a:r>
-              <a:rPr dirty="0"/>
-              <a:t>:</a:t>
-            </a:r>
-          </a:p>
-        </p:txBody>
-      </p:sp>
-      <p:sp>
-        <p:nvSpPr>
           <p:cNvPr id="3" name="Content Placeholder 2">
             <a:extLst>
               <a:ext uri="{FF2B5EF4-FFF2-40B4-BE49-F238E27FC236}">
@@ -5928,7 +7476,12 @@
             <p:ph idx="1"/>
           </p:nvPr>
         </p:nvSpPr>
-        <p:spPr/>
+        <p:spPr>
+          <a:xfrm>
+            <a:off x="457200" y="874514"/>
+            <a:ext cx="8229600" cy="3394472"/>
+          </a:xfrm>
+        </p:spPr>
         <p:txBody>
           <a:bodyPr>
             <a:noAutofit/>
@@ -6631,6 +8184,182 @@
             </a:r>
             <a:endParaRPr sz="1800" dirty="0">
               <a:latin typeface="Courier"/>
+            </a:endParaRPr>
+          </a:p>
+        </p:txBody>
+      </p:sp>
+      <p:sp>
+        <p:nvSpPr>
+          <p:cNvPr id="4" name="Title 1">
+            <a:extLst>
+              <a:ext uri="{FF2B5EF4-FFF2-40B4-BE49-F238E27FC236}">
+                <a16:creationId xmlns:a16="http://schemas.microsoft.com/office/drawing/2014/main" id="{65F1EA37-D73A-C264-8E0B-0A161C921432}"/>
+              </a:ext>
+            </a:extLst>
+          </p:cNvPr>
+          <p:cNvSpPr txBox="1">
+            <a:spLocks/>
+          </p:cNvSpPr>
+          <p:nvPr/>
+        </p:nvSpPr>
+        <p:spPr>
+          <a:xfrm>
+            <a:off x="0" y="1"/>
+            <a:ext cx="9144000" cy="548876"/>
+          </a:xfrm>
+          <a:prstGeom prst="rect">
+            <a:avLst/>
+          </a:prstGeom>
+          <a:solidFill>
+            <a:schemeClr val="tx1"/>
+          </a:solidFill>
+        </p:spPr>
+        <p:txBody>
+          <a:bodyPr vert="horz" lIns="91440" tIns="45720" rIns="91440" bIns="45720" rtlCol="0" anchor="ctr">
+            <a:normAutofit/>
+          </a:bodyPr>
+          <a:lstStyle>
+            <a:lvl1pPr algn="ctr" defTabSz="342900" rtl="0" eaLnBrk="1" latinLnBrk="0" hangingPunct="1">
+              <a:spcBef>
+                <a:spcPct val="0"/>
+              </a:spcBef>
+              <a:buNone/>
+              <a:defRPr sz="3300" kern="1200">
+                <a:solidFill>
+                  <a:schemeClr val="tx1"/>
+                </a:solidFill>
+                <a:latin typeface="+mj-lt"/>
+                <a:ea typeface="+mj-ea"/>
+                <a:cs typeface="+mj-cs"/>
+              </a:defRPr>
+            </a:lvl1pPr>
+          </a:lstStyle>
+          <a:p>
+            <a:pPr algn="l"/>
+            <a:r>
+              <a:rPr lang="en-IN" sz="2800" dirty="0" err="1">
+                <a:solidFill>
+                  <a:schemeClr val="bg1"/>
+                </a:solidFill>
+              </a:rPr>
+              <a:t>DateTime</a:t>
+            </a:r>
+            <a:r>
+              <a:rPr lang="en-IN" sz="2800" dirty="0">
+                <a:solidFill>
+                  <a:schemeClr val="bg1"/>
+                </a:solidFill>
+              </a:rPr>
+              <a:t> and </a:t>
+            </a:r>
+            <a:r>
+              <a:rPr lang="en-IN" sz="2800" dirty="0" err="1">
+                <a:solidFill>
+                  <a:schemeClr val="bg1"/>
+                </a:solidFill>
+              </a:rPr>
+              <a:t>TimeZone</a:t>
+            </a:r>
+            <a:r>
+              <a:rPr lang="en-IN" sz="2800" dirty="0">
+                <a:solidFill>
+                  <a:schemeClr val="bg1"/>
+                </a:solidFill>
+              </a:rPr>
+              <a:t>:</a:t>
+            </a:r>
+          </a:p>
+        </p:txBody>
+      </p:sp>
+      <p:pic>
+        <p:nvPicPr>
+          <p:cNvPr id="5" name="Picture 4">
+            <a:extLst>
+              <a:ext uri="{FF2B5EF4-FFF2-40B4-BE49-F238E27FC236}">
+                <a16:creationId xmlns:a16="http://schemas.microsoft.com/office/drawing/2014/main" id="{CC6A6318-52A2-BB80-B247-932D1DF943D4}"/>
+              </a:ext>
+            </a:extLst>
+          </p:cNvPr>
+          <p:cNvPicPr>
+            <a:picLocks noChangeAspect="1"/>
+          </p:cNvPicPr>
+          <p:nvPr/>
+        </p:nvPicPr>
+        <p:blipFill>
+          <a:blip r:embed="rId2"/>
+          <a:stretch>
+            <a:fillRect/>
+          </a:stretch>
+        </p:blipFill>
+        <p:spPr>
+          <a:xfrm>
+            <a:off x="5763675" y="51792"/>
+            <a:ext cx="3380325" cy="445294"/>
+          </a:xfrm>
+          <a:prstGeom prst="rect">
+            <a:avLst/>
+          </a:prstGeom>
+        </p:spPr>
+      </p:pic>
+      <p:sp>
+        <p:nvSpPr>
+          <p:cNvPr id="6" name="Title 1">
+            <a:extLst>
+              <a:ext uri="{FF2B5EF4-FFF2-40B4-BE49-F238E27FC236}">
+                <a16:creationId xmlns:a16="http://schemas.microsoft.com/office/drawing/2014/main" id="{CC9711E3-A35E-73B8-1517-E5870C57DB4F}"/>
+              </a:ext>
+            </a:extLst>
+          </p:cNvPr>
+          <p:cNvSpPr txBox="1">
+            <a:spLocks/>
+          </p:cNvSpPr>
+          <p:nvPr/>
+        </p:nvSpPr>
+        <p:spPr>
+          <a:xfrm>
+            <a:off x="0" y="4858718"/>
+            <a:ext cx="9144000" cy="284781"/>
+          </a:xfrm>
+          <a:prstGeom prst="rect">
+            <a:avLst/>
+          </a:prstGeom>
+          <a:solidFill>
+            <a:schemeClr val="tx1"/>
+          </a:solidFill>
+        </p:spPr>
+        <p:txBody>
+          <a:bodyPr vert="horz" lIns="91440" tIns="45720" rIns="91440" bIns="45720" rtlCol="0" anchor="ctr">
+            <a:normAutofit/>
+          </a:bodyPr>
+          <a:lstStyle>
+            <a:lvl1pPr algn="ctr" defTabSz="342900" rtl="0" eaLnBrk="1" latinLnBrk="0" hangingPunct="1">
+              <a:spcBef>
+                <a:spcPct val="0"/>
+              </a:spcBef>
+              <a:buNone/>
+              <a:defRPr sz="3300" kern="1200">
+                <a:solidFill>
+                  <a:schemeClr val="tx1"/>
+                </a:solidFill>
+                <a:latin typeface="+mj-lt"/>
+                <a:ea typeface="+mj-ea"/>
+                <a:cs typeface="+mj-cs"/>
+              </a:defRPr>
+            </a:lvl1pPr>
+          </a:lstStyle>
+          <a:p>
+            <a:r>
+              <a:rPr lang="en-IN" sz="1200" dirty="0">
+                <a:solidFill>
+                  <a:schemeClr val="bg1"/>
+                </a:solidFill>
+              </a:rPr>
+              <a:t>(©) tinitiate.com</a:t>
+            </a:r>
+            <a:endParaRPr lang="en-IN" sz="1000" dirty="0">
+              <a:solidFill>
+                <a:schemeClr val="bg1"/>
+              </a:solidFill>
             </a:endParaRPr>
           </a:p>
         </p:txBody>
@@ -6673,49 +8402,6 @@
       </p:grpSpPr>
       <p:sp>
         <p:nvSpPr>
-          <p:cNvPr id="2" name="Title 1">
-            <a:extLst>
-              <a:ext uri="{FF2B5EF4-FFF2-40B4-BE49-F238E27FC236}">
-                <a16:creationId xmlns:a16="http://schemas.microsoft.com/office/drawing/2014/main" id="{A0ECCBDC-1123-9DB3-3100-D4188D9EC703}"/>
-              </a:ext>
-            </a:extLst>
-          </p:cNvPr>
-          <p:cNvSpPr>
-            <a:spLocks noGrp="1"/>
-          </p:cNvSpPr>
-          <p:nvPr>
-            <p:ph type="title"/>
-          </p:nvPr>
-        </p:nvSpPr>
-        <p:spPr/>
-        <p:txBody>
-          <a:bodyPr/>
-          <a:lstStyle/>
-          <a:p>
-            <a:pPr marL="0" lvl="0" indent="0">
-              <a:buNone/>
-            </a:pPr>
-            <a:r>
-              <a:rPr dirty="0" err="1"/>
-              <a:t>DateTime</a:t>
-            </a:r>
-            <a:r>
-              <a:rPr dirty="0"/>
-              <a:t> and </a:t>
-            </a:r>
-            <a:r>
-              <a:rPr dirty="0" err="1"/>
-              <a:t>TimeZone</a:t>
-            </a:r>
-            <a:r>
-              <a:rPr dirty="0"/>
-              <a:t>:</a:t>
-            </a:r>
-          </a:p>
-        </p:txBody>
-      </p:sp>
-      <p:sp>
-        <p:nvSpPr>
           <p:cNvPr id="3" name="Content Placeholder 2">
             <a:extLst>
               <a:ext uri="{FF2B5EF4-FFF2-40B4-BE49-F238E27FC236}">
@@ -6730,7 +8416,12 @@
             <p:ph idx="1"/>
           </p:nvPr>
         </p:nvSpPr>
-        <p:spPr/>
+        <p:spPr>
+          <a:xfrm>
+            <a:off x="457200" y="874514"/>
+            <a:ext cx="8229600" cy="3394472"/>
+          </a:xfrm>
+        </p:spPr>
         <p:txBody>
           <a:bodyPr>
             <a:noAutofit/>
@@ -7277,6 +8968,182 @@
               </a:rPr>
               <a:t>;</a:t>
             </a:r>
+          </a:p>
+        </p:txBody>
+      </p:sp>
+      <p:sp>
+        <p:nvSpPr>
+          <p:cNvPr id="4" name="Title 1">
+            <a:extLst>
+              <a:ext uri="{FF2B5EF4-FFF2-40B4-BE49-F238E27FC236}">
+                <a16:creationId xmlns:a16="http://schemas.microsoft.com/office/drawing/2014/main" id="{A532495D-DD8E-A428-6E88-C25CA1BE4E20}"/>
+              </a:ext>
+            </a:extLst>
+          </p:cNvPr>
+          <p:cNvSpPr txBox="1">
+            <a:spLocks/>
+          </p:cNvSpPr>
+          <p:nvPr/>
+        </p:nvSpPr>
+        <p:spPr>
+          <a:xfrm>
+            <a:off x="0" y="1"/>
+            <a:ext cx="9144000" cy="548876"/>
+          </a:xfrm>
+          <a:prstGeom prst="rect">
+            <a:avLst/>
+          </a:prstGeom>
+          <a:solidFill>
+            <a:schemeClr val="tx1"/>
+          </a:solidFill>
+        </p:spPr>
+        <p:txBody>
+          <a:bodyPr vert="horz" lIns="91440" tIns="45720" rIns="91440" bIns="45720" rtlCol="0" anchor="ctr">
+            <a:normAutofit/>
+          </a:bodyPr>
+          <a:lstStyle>
+            <a:lvl1pPr algn="ctr" defTabSz="342900" rtl="0" eaLnBrk="1" latinLnBrk="0" hangingPunct="1">
+              <a:spcBef>
+                <a:spcPct val="0"/>
+              </a:spcBef>
+              <a:buNone/>
+              <a:defRPr sz="3300" kern="1200">
+                <a:solidFill>
+                  <a:schemeClr val="tx1"/>
+                </a:solidFill>
+                <a:latin typeface="+mj-lt"/>
+                <a:ea typeface="+mj-ea"/>
+                <a:cs typeface="+mj-cs"/>
+              </a:defRPr>
+            </a:lvl1pPr>
+          </a:lstStyle>
+          <a:p>
+            <a:pPr algn="l"/>
+            <a:r>
+              <a:rPr lang="en-IN" sz="2800" dirty="0" err="1">
+                <a:solidFill>
+                  <a:schemeClr val="bg1"/>
+                </a:solidFill>
+              </a:rPr>
+              <a:t>DateTime</a:t>
+            </a:r>
+            <a:r>
+              <a:rPr lang="en-IN" sz="2800" dirty="0">
+                <a:solidFill>
+                  <a:schemeClr val="bg1"/>
+                </a:solidFill>
+              </a:rPr>
+              <a:t> and </a:t>
+            </a:r>
+            <a:r>
+              <a:rPr lang="en-IN" sz="2800" dirty="0" err="1">
+                <a:solidFill>
+                  <a:schemeClr val="bg1"/>
+                </a:solidFill>
+              </a:rPr>
+              <a:t>TimeZone</a:t>
+            </a:r>
+            <a:r>
+              <a:rPr lang="en-IN" sz="2800" dirty="0">
+                <a:solidFill>
+                  <a:schemeClr val="bg1"/>
+                </a:solidFill>
+              </a:rPr>
+              <a:t>:</a:t>
+            </a:r>
+          </a:p>
+        </p:txBody>
+      </p:sp>
+      <p:pic>
+        <p:nvPicPr>
+          <p:cNvPr id="5" name="Picture 4">
+            <a:extLst>
+              <a:ext uri="{FF2B5EF4-FFF2-40B4-BE49-F238E27FC236}">
+                <a16:creationId xmlns:a16="http://schemas.microsoft.com/office/drawing/2014/main" id="{22531282-7301-A3CF-9F78-005F8F5F996E}"/>
+              </a:ext>
+            </a:extLst>
+          </p:cNvPr>
+          <p:cNvPicPr>
+            <a:picLocks noChangeAspect="1"/>
+          </p:cNvPicPr>
+          <p:nvPr/>
+        </p:nvPicPr>
+        <p:blipFill>
+          <a:blip r:embed="rId2"/>
+          <a:stretch>
+            <a:fillRect/>
+          </a:stretch>
+        </p:blipFill>
+        <p:spPr>
+          <a:xfrm>
+            <a:off x="5763675" y="51792"/>
+            <a:ext cx="3380325" cy="445294"/>
+          </a:xfrm>
+          <a:prstGeom prst="rect">
+            <a:avLst/>
+          </a:prstGeom>
+        </p:spPr>
+      </p:pic>
+      <p:sp>
+        <p:nvSpPr>
+          <p:cNvPr id="6" name="Title 1">
+            <a:extLst>
+              <a:ext uri="{FF2B5EF4-FFF2-40B4-BE49-F238E27FC236}">
+                <a16:creationId xmlns:a16="http://schemas.microsoft.com/office/drawing/2014/main" id="{7BC894F5-6FD5-E4C7-B1B2-8BBA11BD8D09}"/>
+              </a:ext>
+            </a:extLst>
+          </p:cNvPr>
+          <p:cNvSpPr txBox="1">
+            <a:spLocks/>
+          </p:cNvSpPr>
+          <p:nvPr/>
+        </p:nvSpPr>
+        <p:spPr>
+          <a:xfrm>
+            <a:off x="0" y="4858718"/>
+            <a:ext cx="9144000" cy="284781"/>
+          </a:xfrm>
+          <a:prstGeom prst="rect">
+            <a:avLst/>
+          </a:prstGeom>
+          <a:solidFill>
+            <a:schemeClr val="tx1"/>
+          </a:solidFill>
+        </p:spPr>
+        <p:txBody>
+          <a:bodyPr vert="horz" lIns="91440" tIns="45720" rIns="91440" bIns="45720" rtlCol="0" anchor="ctr">
+            <a:normAutofit/>
+          </a:bodyPr>
+          <a:lstStyle>
+            <a:lvl1pPr algn="ctr" defTabSz="342900" rtl="0" eaLnBrk="1" latinLnBrk="0" hangingPunct="1">
+              <a:spcBef>
+                <a:spcPct val="0"/>
+              </a:spcBef>
+              <a:buNone/>
+              <a:defRPr sz="3300" kern="1200">
+                <a:solidFill>
+                  <a:schemeClr val="tx1"/>
+                </a:solidFill>
+                <a:latin typeface="+mj-lt"/>
+                <a:ea typeface="+mj-ea"/>
+                <a:cs typeface="+mj-cs"/>
+              </a:defRPr>
+            </a:lvl1pPr>
+          </a:lstStyle>
+          <a:p>
+            <a:r>
+              <a:rPr lang="en-IN" sz="1200" dirty="0">
+                <a:solidFill>
+                  <a:schemeClr val="bg1"/>
+                </a:solidFill>
+              </a:rPr>
+              <a:t>(©) tinitiate.com</a:t>
+            </a:r>
+            <a:endParaRPr lang="en-IN" sz="1000" dirty="0">
+              <a:solidFill>
+                <a:schemeClr val="bg1"/>
+              </a:solidFill>
+            </a:endParaRPr>
           </a:p>
         </p:txBody>
       </p:sp>
@@ -7312,31 +9179,6 @@
       </p:grpSpPr>
       <p:sp>
         <p:nvSpPr>
-          <p:cNvPr id="2" name="Title 1"/>
-          <p:cNvSpPr>
-            <a:spLocks noGrp="1"/>
-          </p:cNvSpPr>
-          <p:nvPr>
-            <p:ph type="title"/>
-          </p:nvPr>
-        </p:nvSpPr>
-        <p:spPr/>
-        <p:txBody>
-          <a:bodyPr/>
-          <a:lstStyle/>
-          <a:p>
-            <a:pPr marL="0" lvl="0" indent="0">
-              <a:buNone/>
-            </a:pPr>
-            <a:r>
-              <a:rPr dirty="0"/>
-              <a:t>DQL - Date Functions</a:t>
-            </a:r>
-          </a:p>
-        </p:txBody>
-      </p:sp>
-      <p:sp>
-        <p:nvSpPr>
           <p:cNvPr id="3" name="Content Placeholder 2"/>
           <p:cNvSpPr>
             <a:spLocks noGrp="1"/>
@@ -7345,7 +9187,12 @@
             <p:ph idx="1"/>
           </p:nvPr>
         </p:nvSpPr>
-        <p:spPr/>
+        <p:spPr>
+          <a:xfrm>
+            <a:off x="457200" y="874514"/>
+            <a:ext cx="8229600" cy="3394472"/>
+          </a:xfrm>
+        </p:spPr>
         <p:txBody>
           <a:bodyPr>
             <a:normAutofit/>
@@ -7364,6 +9211,158 @@
               <a:rPr sz="1800" dirty="0"/>
               <a:t>They allow for manipulation, extraction, formatting, and calculation of dates and times.</a:t>
             </a:r>
+          </a:p>
+        </p:txBody>
+      </p:sp>
+      <p:sp>
+        <p:nvSpPr>
+          <p:cNvPr id="4" name="Title 1">
+            <a:extLst>
+              <a:ext uri="{FF2B5EF4-FFF2-40B4-BE49-F238E27FC236}">
+                <a16:creationId xmlns:a16="http://schemas.microsoft.com/office/drawing/2014/main" id="{EB57DDA2-8D09-93D8-229D-3CA3480B7E1C}"/>
+              </a:ext>
+            </a:extLst>
+          </p:cNvPr>
+          <p:cNvSpPr txBox="1">
+            <a:spLocks/>
+          </p:cNvSpPr>
+          <p:nvPr/>
+        </p:nvSpPr>
+        <p:spPr>
+          <a:xfrm>
+            <a:off x="0" y="1"/>
+            <a:ext cx="9144000" cy="548876"/>
+          </a:xfrm>
+          <a:prstGeom prst="rect">
+            <a:avLst/>
+          </a:prstGeom>
+          <a:solidFill>
+            <a:schemeClr val="tx1"/>
+          </a:solidFill>
+        </p:spPr>
+        <p:txBody>
+          <a:bodyPr vert="horz" lIns="91440" tIns="45720" rIns="91440" bIns="45720" rtlCol="0" anchor="ctr">
+            <a:normAutofit/>
+          </a:bodyPr>
+          <a:lstStyle>
+            <a:lvl1pPr algn="ctr" defTabSz="342900" rtl="0" eaLnBrk="1" latinLnBrk="0" hangingPunct="1">
+              <a:spcBef>
+                <a:spcPct val="0"/>
+              </a:spcBef>
+              <a:buNone/>
+              <a:defRPr sz="3300" kern="1200">
+                <a:solidFill>
+                  <a:schemeClr val="tx1"/>
+                </a:solidFill>
+                <a:latin typeface="+mj-lt"/>
+                <a:ea typeface="+mj-ea"/>
+                <a:cs typeface="+mj-cs"/>
+              </a:defRPr>
+            </a:lvl1pPr>
+          </a:lstStyle>
+          <a:p>
+            <a:pPr algn="l"/>
+            <a:r>
+              <a:rPr lang="en-IN" sz="2800" dirty="0">
+                <a:solidFill>
+                  <a:schemeClr val="bg1"/>
+                </a:solidFill>
+              </a:rPr>
+              <a:t>DQL - Date Functions</a:t>
+            </a:r>
+          </a:p>
+        </p:txBody>
+      </p:sp>
+      <p:pic>
+        <p:nvPicPr>
+          <p:cNvPr id="5" name="Picture 4">
+            <a:extLst>
+              <a:ext uri="{FF2B5EF4-FFF2-40B4-BE49-F238E27FC236}">
+                <a16:creationId xmlns:a16="http://schemas.microsoft.com/office/drawing/2014/main" id="{1286B421-4121-56DF-D8EE-F972E2F6DD8D}"/>
+              </a:ext>
+            </a:extLst>
+          </p:cNvPr>
+          <p:cNvPicPr>
+            <a:picLocks noChangeAspect="1"/>
+          </p:cNvPicPr>
+          <p:nvPr/>
+        </p:nvPicPr>
+        <p:blipFill>
+          <a:blip r:embed="rId2"/>
+          <a:stretch>
+            <a:fillRect/>
+          </a:stretch>
+        </p:blipFill>
+        <p:spPr>
+          <a:xfrm>
+            <a:off x="5763675" y="51792"/>
+            <a:ext cx="3380325" cy="445294"/>
+          </a:xfrm>
+          <a:prstGeom prst="rect">
+            <a:avLst/>
+          </a:prstGeom>
+        </p:spPr>
+      </p:pic>
+      <p:sp>
+        <p:nvSpPr>
+          <p:cNvPr id="6" name="Title 1">
+            <a:extLst>
+              <a:ext uri="{FF2B5EF4-FFF2-40B4-BE49-F238E27FC236}">
+                <a16:creationId xmlns:a16="http://schemas.microsoft.com/office/drawing/2014/main" id="{EC28EAF6-0633-BFA6-6DCB-8A05A89A57A9}"/>
+              </a:ext>
+            </a:extLst>
+          </p:cNvPr>
+          <p:cNvSpPr txBox="1">
+            <a:spLocks/>
+          </p:cNvSpPr>
+          <p:nvPr/>
+        </p:nvSpPr>
+        <p:spPr>
+          <a:xfrm>
+            <a:off x="0" y="4858718"/>
+            <a:ext cx="9144000" cy="284781"/>
+          </a:xfrm>
+          <a:prstGeom prst="rect">
+            <a:avLst/>
+          </a:prstGeom>
+          <a:solidFill>
+            <a:schemeClr val="tx1"/>
+          </a:solidFill>
+        </p:spPr>
+        <p:txBody>
+          <a:bodyPr vert="horz" lIns="91440" tIns="45720" rIns="91440" bIns="45720" rtlCol="0" anchor="ctr">
+            <a:normAutofit/>
+          </a:bodyPr>
+          <a:lstStyle>
+            <a:lvl1pPr algn="ctr" defTabSz="342900" rtl="0" eaLnBrk="1" latinLnBrk="0" hangingPunct="1">
+              <a:spcBef>
+                <a:spcPct val="0"/>
+              </a:spcBef>
+              <a:buNone/>
+              <a:defRPr sz="3300" kern="1200">
+                <a:solidFill>
+                  <a:schemeClr val="tx1"/>
+                </a:solidFill>
+                <a:latin typeface="+mj-lt"/>
+                <a:ea typeface="+mj-ea"/>
+                <a:cs typeface="+mj-cs"/>
+              </a:defRPr>
+            </a:lvl1pPr>
+          </a:lstStyle>
+          <a:p>
+            <a:r>
+              <a:rPr lang="en-IN" sz="1200" dirty="0">
+                <a:solidFill>
+                  <a:schemeClr val="bg1"/>
+                </a:solidFill>
+              </a:rPr>
+              <a:t>(©) tinitiate.com</a:t>
+            </a:r>
+            <a:endParaRPr lang="en-IN" sz="1000" dirty="0">
+              <a:solidFill>
+                <a:schemeClr val="bg1"/>
+              </a:solidFill>
+            </a:endParaRPr>
           </a:p>
         </p:txBody>
       </p:sp>
@@ -7394,31 +9393,6 @@
       </p:grpSpPr>
       <p:sp>
         <p:nvSpPr>
-          <p:cNvPr id="2" name="Title 1"/>
-          <p:cNvSpPr>
-            <a:spLocks noGrp="1"/>
-          </p:cNvSpPr>
-          <p:nvPr>
-            <p:ph type="title"/>
-          </p:nvPr>
-        </p:nvSpPr>
-        <p:spPr/>
-        <p:txBody>
-          <a:bodyPr/>
-          <a:lstStyle/>
-          <a:p>
-            <a:pPr marL="0" lvl="0" indent="0">
-              <a:buNone/>
-            </a:pPr>
-            <a:r>
-              <a:rPr dirty="0"/>
-              <a:t>Date functions in SQL Server:</a:t>
-            </a:r>
-          </a:p>
-        </p:txBody>
-      </p:sp>
-      <p:sp>
-        <p:nvSpPr>
           <p:cNvPr id="3" name="Content Placeholder 2"/>
           <p:cNvSpPr>
             <a:spLocks noGrp="1"/>
@@ -7427,7 +9401,12 @@
             <p:ph idx="1"/>
           </p:nvPr>
         </p:nvSpPr>
-        <p:spPr/>
+        <p:spPr>
+          <a:xfrm>
+            <a:off x="457200" y="874514"/>
+            <a:ext cx="8229600" cy="3394472"/>
+          </a:xfrm>
+        </p:spPr>
         <p:txBody>
           <a:bodyPr>
             <a:noAutofit/>
@@ -7608,6 +9587,163 @@
             </a:r>
             <a:endParaRPr lang="en-US" sz="1800" dirty="0">
               <a:latin typeface="Courier"/>
+            </a:endParaRPr>
+          </a:p>
+        </p:txBody>
+      </p:sp>
+      <p:sp>
+        <p:nvSpPr>
+          <p:cNvPr id="4" name="Title 1">
+            <a:extLst>
+              <a:ext uri="{FF2B5EF4-FFF2-40B4-BE49-F238E27FC236}">
+                <a16:creationId xmlns:a16="http://schemas.microsoft.com/office/drawing/2014/main" id="{30815005-AF72-FC33-9383-A769CD71D61E}"/>
+              </a:ext>
+            </a:extLst>
+          </p:cNvPr>
+          <p:cNvSpPr txBox="1">
+            <a:spLocks/>
+          </p:cNvSpPr>
+          <p:nvPr/>
+        </p:nvSpPr>
+        <p:spPr>
+          <a:xfrm>
+            <a:off x="0" y="1"/>
+            <a:ext cx="9144000" cy="548876"/>
+          </a:xfrm>
+          <a:prstGeom prst="rect">
+            <a:avLst/>
+          </a:prstGeom>
+          <a:solidFill>
+            <a:schemeClr val="tx1"/>
+          </a:solidFill>
+        </p:spPr>
+        <p:txBody>
+          <a:bodyPr vert="horz" lIns="91440" tIns="45720" rIns="91440" bIns="45720" rtlCol="0" anchor="ctr">
+            <a:normAutofit/>
+          </a:bodyPr>
+          <a:lstStyle>
+            <a:lvl1pPr algn="ctr" defTabSz="342900" rtl="0" eaLnBrk="1" latinLnBrk="0" hangingPunct="1">
+              <a:spcBef>
+                <a:spcPct val="0"/>
+              </a:spcBef>
+              <a:buNone/>
+              <a:defRPr sz="3300" kern="1200">
+                <a:solidFill>
+                  <a:schemeClr val="tx1"/>
+                </a:solidFill>
+                <a:latin typeface="+mj-lt"/>
+                <a:ea typeface="+mj-ea"/>
+                <a:cs typeface="+mj-cs"/>
+              </a:defRPr>
+            </a:lvl1pPr>
+          </a:lstStyle>
+          <a:p>
+            <a:pPr algn="l"/>
+            <a:r>
+              <a:rPr lang="en-US" sz="2800" dirty="0">
+                <a:solidFill>
+                  <a:schemeClr val="bg1"/>
+                </a:solidFill>
+              </a:rPr>
+              <a:t>Date functions in SQL Server:</a:t>
+            </a:r>
+            <a:endParaRPr lang="en-IN" sz="2800" dirty="0">
+              <a:solidFill>
+                <a:schemeClr val="bg1"/>
+              </a:solidFill>
+            </a:endParaRPr>
+          </a:p>
+        </p:txBody>
+      </p:sp>
+      <p:pic>
+        <p:nvPicPr>
+          <p:cNvPr id="5" name="Picture 4">
+            <a:extLst>
+              <a:ext uri="{FF2B5EF4-FFF2-40B4-BE49-F238E27FC236}">
+                <a16:creationId xmlns:a16="http://schemas.microsoft.com/office/drawing/2014/main" id="{E60CEF6F-E900-604F-079F-0548EDD044E6}"/>
+              </a:ext>
+            </a:extLst>
+          </p:cNvPr>
+          <p:cNvPicPr>
+            <a:picLocks noChangeAspect="1"/>
+          </p:cNvPicPr>
+          <p:nvPr/>
+        </p:nvPicPr>
+        <p:blipFill>
+          <a:blip r:embed="rId2"/>
+          <a:stretch>
+            <a:fillRect/>
+          </a:stretch>
+        </p:blipFill>
+        <p:spPr>
+          <a:xfrm>
+            <a:off x="5763675" y="51792"/>
+            <a:ext cx="3380325" cy="445294"/>
+          </a:xfrm>
+          <a:prstGeom prst="rect">
+            <a:avLst/>
+          </a:prstGeom>
+        </p:spPr>
+      </p:pic>
+      <p:sp>
+        <p:nvSpPr>
+          <p:cNvPr id="6" name="Title 1">
+            <a:extLst>
+              <a:ext uri="{FF2B5EF4-FFF2-40B4-BE49-F238E27FC236}">
+                <a16:creationId xmlns:a16="http://schemas.microsoft.com/office/drawing/2014/main" id="{9634C4CA-2CB0-1D0C-EBA9-1B954CC78DE4}"/>
+              </a:ext>
+            </a:extLst>
+          </p:cNvPr>
+          <p:cNvSpPr txBox="1">
+            <a:spLocks/>
+          </p:cNvSpPr>
+          <p:nvPr/>
+        </p:nvSpPr>
+        <p:spPr>
+          <a:xfrm>
+            <a:off x="0" y="4858718"/>
+            <a:ext cx="9144000" cy="284781"/>
+          </a:xfrm>
+          <a:prstGeom prst="rect">
+            <a:avLst/>
+          </a:prstGeom>
+          <a:solidFill>
+            <a:schemeClr val="tx1"/>
+          </a:solidFill>
+        </p:spPr>
+        <p:txBody>
+          <a:bodyPr vert="horz" lIns="91440" tIns="45720" rIns="91440" bIns="45720" rtlCol="0" anchor="ctr">
+            <a:normAutofit/>
+          </a:bodyPr>
+          <a:lstStyle>
+            <a:lvl1pPr algn="ctr" defTabSz="342900" rtl="0" eaLnBrk="1" latinLnBrk="0" hangingPunct="1">
+              <a:spcBef>
+                <a:spcPct val="0"/>
+              </a:spcBef>
+              <a:buNone/>
+              <a:defRPr sz="3300" kern="1200">
+                <a:solidFill>
+                  <a:schemeClr val="tx1"/>
+                </a:solidFill>
+                <a:latin typeface="+mj-lt"/>
+                <a:ea typeface="+mj-ea"/>
+                <a:cs typeface="+mj-cs"/>
+              </a:defRPr>
+            </a:lvl1pPr>
+          </a:lstStyle>
+          <a:p>
+            <a:r>
+              <a:rPr lang="en-IN" sz="1200" dirty="0">
+                <a:solidFill>
+                  <a:schemeClr val="bg1"/>
+                </a:solidFill>
+              </a:rPr>
+              <a:t>(©) tinitiate.com</a:t>
+            </a:r>
+            <a:endParaRPr lang="en-IN" sz="1000" dirty="0">
+              <a:solidFill>
+                <a:schemeClr val="bg1"/>
+              </a:solidFill>
             </a:endParaRPr>
           </a:p>
         </p:txBody>
@@ -7645,37 +9781,6 @@
       </p:grpSpPr>
       <p:sp>
         <p:nvSpPr>
-          <p:cNvPr id="2" name="Title 1">
-            <a:extLst>
-              <a:ext uri="{FF2B5EF4-FFF2-40B4-BE49-F238E27FC236}">
-                <a16:creationId xmlns:a16="http://schemas.microsoft.com/office/drawing/2014/main" id="{C341BE77-B02F-2C28-4BFF-747402025B42}"/>
-              </a:ext>
-            </a:extLst>
-          </p:cNvPr>
-          <p:cNvSpPr>
-            <a:spLocks noGrp="1"/>
-          </p:cNvSpPr>
-          <p:nvPr>
-            <p:ph type="title"/>
-          </p:nvPr>
-        </p:nvSpPr>
-        <p:spPr/>
-        <p:txBody>
-          <a:bodyPr/>
-          <a:lstStyle/>
-          <a:p>
-            <a:pPr marL="0" lvl="0" indent="0">
-              <a:buNone/>
-            </a:pPr>
-            <a:r>
-              <a:rPr dirty="0"/>
-              <a:t>Date functions in SQL Server:</a:t>
-            </a:r>
-          </a:p>
-        </p:txBody>
-      </p:sp>
-      <p:sp>
-        <p:nvSpPr>
           <p:cNvPr id="3" name="Content Placeholder 2">
             <a:extLst>
               <a:ext uri="{FF2B5EF4-FFF2-40B4-BE49-F238E27FC236}">
@@ -7690,7 +9795,12 @@
             <p:ph idx="1"/>
           </p:nvPr>
         </p:nvSpPr>
-        <p:spPr/>
+        <p:spPr>
+          <a:xfrm>
+            <a:off x="457200" y="874514"/>
+            <a:ext cx="8229600" cy="3394472"/>
+          </a:xfrm>
+        </p:spPr>
         <p:txBody>
           <a:bodyPr>
             <a:noAutofit/>
@@ -8069,6 +10179,163 @@
             </a:r>
             <a:endParaRPr lang="en-US" sz="1800" dirty="0">
               <a:latin typeface="Courier"/>
+            </a:endParaRPr>
+          </a:p>
+        </p:txBody>
+      </p:sp>
+      <p:sp>
+        <p:nvSpPr>
+          <p:cNvPr id="4" name="Title 1">
+            <a:extLst>
+              <a:ext uri="{FF2B5EF4-FFF2-40B4-BE49-F238E27FC236}">
+                <a16:creationId xmlns:a16="http://schemas.microsoft.com/office/drawing/2014/main" id="{7725F631-E0F7-ACE5-3DF6-F586A6DBCE92}"/>
+              </a:ext>
+            </a:extLst>
+          </p:cNvPr>
+          <p:cNvSpPr txBox="1">
+            <a:spLocks/>
+          </p:cNvSpPr>
+          <p:nvPr/>
+        </p:nvSpPr>
+        <p:spPr>
+          <a:xfrm>
+            <a:off x="0" y="1"/>
+            <a:ext cx="9144000" cy="548876"/>
+          </a:xfrm>
+          <a:prstGeom prst="rect">
+            <a:avLst/>
+          </a:prstGeom>
+          <a:solidFill>
+            <a:schemeClr val="tx1"/>
+          </a:solidFill>
+        </p:spPr>
+        <p:txBody>
+          <a:bodyPr vert="horz" lIns="91440" tIns="45720" rIns="91440" bIns="45720" rtlCol="0" anchor="ctr">
+            <a:normAutofit/>
+          </a:bodyPr>
+          <a:lstStyle>
+            <a:lvl1pPr algn="ctr" defTabSz="342900" rtl="0" eaLnBrk="1" latinLnBrk="0" hangingPunct="1">
+              <a:spcBef>
+                <a:spcPct val="0"/>
+              </a:spcBef>
+              <a:buNone/>
+              <a:defRPr sz="3300" kern="1200">
+                <a:solidFill>
+                  <a:schemeClr val="tx1"/>
+                </a:solidFill>
+                <a:latin typeface="+mj-lt"/>
+                <a:ea typeface="+mj-ea"/>
+                <a:cs typeface="+mj-cs"/>
+              </a:defRPr>
+            </a:lvl1pPr>
+          </a:lstStyle>
+          <a:p>
+            <a:pPr algn="l"/>
+            <a:r>
+              <a:rPr lang="en-US" sz="2800" dirty="0">
+                <a:solidFill>
+                  <a:schemeClr val="bg1"/>
+                </a:solidFill>
+              </a:rPr>
+              <a:t>Date functions in SQL Server:</a:t>
+            </a:r>
+            <a:endParaRPr lang="en-IN" sz="2800" dirty="0">
+              <a:solidFill>
+                <a:schemeClr val="bg1"/>
+              </a:solidFill>
+            </a:endParaRPr>
+          </a:p>
+        </p:txBody>
+      </p:sp>
+      <p:pic>
+        <p:nvPicPr>
+          <p:cNvPr id="5" name="Picture 4">
+            <a:extLst>
+              <a:ext uri="{FF2B5EF4-FFF2-40B4-BE49-F238E27FC236}">
+                <a16:creationId xmlns:a16="http://schemas.microsoft.com/office/drawing/2014/main" id="{4B671E08-664C-57A9-A400-23DBA607E0F5}"/>
+              </a:ext>
+            </a:extLst>
+          </p:cNvPr>
+          <p:cNvPicPr>
+            <a:picLocks noChangeAspect="1"/>
+          </p:cNvPicPr>
+          <p:nvPr/>
+        </p:nvPicPr>
+        <p:blipFill>
+          <a:blip r:embed="rId2"/>
+          <a:stretch>
+            <a:fillRect/>
+          </a:stretch>
+        </p:blipFill>
+        <p:spPr>
+          <a:xfrm>
+            <a:off x="5763675" y="51792"/>
+            <a:ext cx="3380325" cy="445294"/>
+          </a:xfrm>
+          <a:prstGeom prst="rect">
+            <a:avLst/>
+          </a:prstGeom>
+        </p:spPr>
+      </p:pic>
+      <p:sp>
+        <p:nvSpPr>
+          <p:cNvPr id="6" name="Title 1">
+            <a:extLst>
+              <a:ext uri="{FF2B5EF4-FFF2-40B4-BE49-F238E27FC236}">
+                <a16:creationId xmlns:a16="http://schemas.microsoft.com/office/drawing/2014/main" id="{8812884C-1962-BFCA-2C33-1B4D20126A54}"/>
+              </a:ext>
+            </a:extLst>
+          </p:cNvPr>
+          <p:cNvSpPr txBox="1">
+            <a:spLocks/>
+          </p:cNvSpPr>
+          <p:nvPr/>
+        </p:nvSpPr>
+        <p:spPr>
+          <a:xfrm>
+            <a:off x="0" y="4858718"/>
+            <a:ext cx="9144000" cy="284781"/>
+          </a:xfrm>
+          <a:prstGeom prst="rect">
+            <a:avLst/>
+          </a:prstGeom>
+          <a:solidFill>
+            <a:schemeClr val="tx1"/>
+          </a:solidFill>
+        </p:spPr>
+        <p:txBody>
+          <a:bodyPr vert="horz" lIns="91440" tIns="45720" rIns="91440" bIns="45720" rtlCol="0" anchor="ctr">
+            <a:normAutofit/>
+          </a:bodyPr>
+          <a:lstStyle>
+            <a:lvl1pPr algn="ctr" defTabSz="342900" rtl="0" eaLnBrk="1" latinLnBrk="0" hangingPunct="1">
+              <a:spcBef>
+                <a:spcPct val="0"/>
+              </a:spcBef>
+              <a:buNone/>
+              <a:defRPr sz="3300" kern="1200">
+                <a:solidFill>
+                  <a:schemeClr val="tx1"/>
+                </a:solidFill>
+                <a:latin typeface="+mj-lt"/>
+                <a:ea typeface="+mj-ea"/>
+                <a:cs typeface="+mj-cs"/>
+              </a:defRPr>
+            </a:lvl1pPr>
+          </a:lstStyle>
+          <a:p>
+            <a:r>
+              <a:rPr lang="en-IN" sz="1200" dirty="0">
+                <a:solidFill>
+                  <a:schemeClr val="bg1"/>
+                </a:solidFill>
+              </a:rPr>
+              <a:t>(©) tinitiate.com</a:t>
+            </a:r>
+            <a:endParaRPr lang="en-IN" sz="1000" dirty="0">
+              <a:solidFill>
+                <a:schemeClr val="bg1"/>
+              </a:solidFill>
             </a:endParaRPr>
           </a:p>
         </p:txBody>
@@ -8111,37 +10378,6 @@
       </p:grpSpPr>
       <p:sp>
         <p:nvSpPr>
-          <p:cNvPr id="2" name="Title 1">
-            <a:extLst>
-              <a:ext uri="{FF2B5EF4-FFF2-40B4-BE49-F238E27FC236}">
-                <a16:creationId xmlns:a16="http://schemas.microsoft.com/office/drawing/2014/main" id="{6BC2BD16-351C-4271-E9DC-544A5A8EE19A}"/>
-              </a:ext>
-            </a:extLst>
-          </p:cNvPr>
-          <p:cNvSpPr>
-            <a:spLocks noGrp="1"/>
-          </p:cNvSpPr>
-          <p:nvPr>
-            <p:ph type="title"/>
-          </p:nvPr>
-        </p:nvSpPr>
-        <p:spPr/>
-        <p:txBody>
-          <a:bodyPr/>
-          <a:lstStyle/>
-          <a:p>
-            <a:pPr marL="0" lvl="0" indent="0">
-              <a:buNone/>
-            </a:pPr>
-            <a:r>
-              <a:rPr dirty="0"/>
-              <a:t>Date functions in SQL Server:</a:t>
-            </a:r>
-          </a:p>
-        </p:txBody>
-      </p:sp>
-      <p:sp>
-        <p:nvSpPr>
           <p:cNvPr id="3" name="Content Placeholder 2">
             <a:extLst>
               <a:ext uri="{FF2B5EF4-FFF2-40B4-BE49-F238E27FC236}">
@@ -8156,7 +10392,12 @@
             <p:ph idx="1"/>
           </p:nvPr>
         </p:nvSpPr>
-        <p:spPr/>
+        <p:spPr>
+          <a:xfrm>
+            <a:off x="457200" y="874514"/>
+            <a:ext cx="8229600" cy="3394472"/>
+          </a:xfrm>
+        </p:spPr>
         <p:txBody>
           <a:bodyPr>
             <a:noAutofit/>
@@ -8754,6 +10995,163 @@
             </a:r>
             <a:endParaRPr lang="en-US" sz="1800" dirty="0">
               <a:latin typeface="Courier"/>
+            </a:endParaRPr>
+          </a:p>
+        </p:txBody>
+      </p:sp>
+      <p:sp>
+        <p:nvSpPr>
+          <p:cNvPr id="4" name="Title 1">
+            <a:extLst>
+              <a:ext uri="{FF2B5EF4-FFF2-40B4-BE49-F238E27FC236}">
+                <a16:creationId xmlns:a16="http://schemas.microsoft.com/office/drawing/2014/main" id="{6661918F-B91E-1079-8DF1-0D12A0D8DEAB}"/>
+              </a:ext>
+            </a:extLst>
+          </p:cNvPr>
+          <p:cNvSpPr txBox="1">
+            <a:spLocks/>
+          </p:cNvSpPr>
+          <p:nvPr/>
+        </p:nvSpPr>
+        <p:spPr>
+          <a:xfrm>
+            <a:off x="0" y="1"/>
+            <a:ext cx="9144000" cy="548876"/>
+          </a:xfrm>
+          <a:prstGeom prst="rect">
+            <a:avLst/>
+          </a:prstGeom>
+          <a:solidFill>
+            <a:schemeClr val="tx1"/>
+          </a:solidFill>
+        </p:spPr>
+        <p:txBody>
+          <a:bodyPr vert="horz" lIns="91440" tIns="45720" rIns="91440" bIns="45720" rtlCol="0" anchor="ctr">
+            <a:normAutofit/>
+          </a:bodyPr>
+          <a:lstStyle>
+            <a:lvl1pPr algn="ctr" defTabSz="342900" rtl="0" eaLnBrk="1" latinLnBrk="0" hangingPunct="1">
+              <a:spcBef>
+                <a:spcPct val="0"/>
+              </a:spcBef>
+              <a:buNone/>
+              <a:defRPr sz="3300" kern="1200">
+                <a:solidFill>
+                  <a:schemeClr val="tx1"/>
+                </a:solidFill>
+                <a:latin typeface="+mj-lt"/>
+                <a:ea typeface="+mj-ea"/>
+                <a:cs typeface="+mj-cs"/>
+              </a:defRPr>
+            </a:lvl1pPr>
+          </a:lstStyle>
+          <a:p>
+            <a:pPr algn="l"/>
+            <a:r>
+              <a:rPr lang="en-US" sz="2800" dirty="0">
+                <a:solidFill>
+                  <a:schemeClr val="bg1"/>
+                </a:solidFill>
+              </a:rPr>
+              <a:t>Date functions in SQL Server:</a:t>
+            </a:r>
+            <a:endParaRPr lang="en-IN" sz="2800" dirty="0">
+              <a:solidFill>
+                <a:schemeClr val="bg1"/>
+              </a:solidFill>
+            </a:endParaRPr>
+          </a:p>
+        </p:txBody>
+      </p:sp>
+      <p:pic>
+        <p:nvPicPr>
+          <p:cNvPr id="5" name="Picture 4">
+            <a:extLst>
+              <a:ext uri="{FF2B5EF4-FFF2-40B4-BE49-F238E27FC236}">
+                <a16:creationId xmlns:a16="http://schemas.microsoft.com/office/drawing/2014/main" id="{40E42586-30ED-C77A-E039-13603B4446A7}"/>
+              </a:ext>
+            </a:extLst>
+          </p:cNvPr>
+          <p:cNvPicPr>
+            <a:picLocks noChangeAspect="1"/>
+          </p:cNvPicPr>
+          <p:nvPr/>
+        </p:nvPicPr>
+        <p:blipFill>
+          <a:blip r:embed="rId2"/>
+          <a:stretch>
+            <a:fillRect/>
+          </a:stretch>
+        </p:blipFill>
+        <p:spPr>
+          <a:xfrm>
+            <a:off x="5763675" y="51792"/>
+            <a:ext cx="3380325" cy="445294"/>
+          </a:xfrm>
+          <a:prstGeom prst="rect">
+            <a:avLst/>
+          </a:prstGeom>
+        </p:spPr>
+      </p:pic>
+      <p:sp>
+        <p:nvSpPr>
+          <p:cNvPr id="6" name="Title 1">
+            <a:extLst>
+              <a:ext uri="{FF2B5EF4-FFF2-40B4-BE49-F238E27FC236}">
+                <a16:creationId xmlns:a16="http://schemas.microsoft.com/office/drawing/2014/main" id="{DB6FA5F3-E440-50C9-0537-51E70B55D2D0}"/>
+              </a:ext>
+            </a:extLst>
+          </p:cNvPr>
+          <p:cNvSpPr txBox="1">
+            <a:spLocks/>
+          </p:cNvSpPr>
+          <p:nvPr/>
+        </p:nvSpPr>
+        <p:spPr>
+          <a:xfrm>
+            <a:off x="0" y="4858718"/>
+            <a:ext cx="9144000" cy="284781"/>
+          </a:xfrm>
+          <a:prstGeom prst="rect">
+            <a:avLst/>
+          </a:prstGeom>
+          <a:solidFill>
+            <a:schemeClr val="tx1"/>
+          </a:solidFill>
+        </p:spPr>
+        <p:txBody>
+          <a:bodyPr vert="horz" lIns="91440" tIns="45720" rIns="91440" bIns="45720" rtlCol="0" anchor="ctr">
+            <a:normAutofit/>
+          </a:bodyPr>
+          <a:lstStyle>
+            <a:lvl1pPr algn="ctr" defTabSz="342900" rtl="0" eaLnBrk="1" latinLnBrk="0" hangingPunct="1">
+              <a:spcBef>
+                <a:spcPct val="0"/>
+              </a:spcBef>
+              <a:buNone/>
+              <a:defRPr sz="3300" kern="1200">
+                <a:solidFill>
+                  <a:schemeClr val="tx1"/>
+                </a:solidFill>
+                <a:latin typeface="+mj-lt"/>
+                <a:ea typeface="+mj-ea"/>
+                <a:cs typeface="+mj-cs"/>
+              </a:defRPr>
+            </a:lvl1pPr>
+          </a:lstStyle>
+          <a:p>
+            <a:r>
+              <a:rPr lang="en-IN" sz="1200" dirty="0">
+                <a:solidFill>
+                  <a:schemeClr val="bg1"/>
+                </a:solidFill>
+              </a:rPr>
+              <a:t>(©) tinitiate.com</a:t>
+            </a:r>
+            <a:endParaRPr lang="en-IN" sz="1000" dirty="0">
+              <a:solidFill>
+                <a:schemeClr val="bg1"/>
+              </a:solidFill>
             </a:endParaRPr>
           </a:p>
         </p:txBody>
@@ -8796,37 +11194,6 @@
       </p:grpSpPr>
       <p:sp>
         <p:nvSpPr>
-          <p:cNvPr id="2" name="Title 1">
-            <a:extLst>
-              <a:ext uri="{FF2B5EF4-FFF2-40B4-BE49-F238E27FC236}">
-                <a16:creationId xmlns:a16="http://schemas.microsoft.com/office/drawing/2014/main" id="{563B2D06-239A-9C67-224B-3C9C39A015CF}"/>
-              </a:ext>
-            </a:extLst>
-          </p:cNvPr>
-          <p:cNvSpPr>
-            <a:spLocks noGrp="1"/>
-          </p:cNvSpPr>
-          <p:nvPr>
-            <p:ph type="title"/>
-          </p:nvPr>
-        </p:nvSpPr>
-        <p:spPr/>
-        <p:txBody>
-          <a:bodyPr/>
-          <a:lstStyle/>
-          <a:p>
-            <a:pPr marL="0" lvl="0" indent="0">
-              <a:buNone/>
-            </a:pPr>
-            <a:r>
-              <a:rPr dirty="0"/>
-              <a:t>Date functions in SQL Server:</a:t>
-            </a:r>
-          </a:p>
-        </p:txBody>
-      </p:sp>
-      <p:sp>
-        <p:nvSpPr>
           <p:cNvPr id="3" name="Content Placeholder 2">
             <a:extLst>
               <a:ext uri="{FF2B5EF4-FFF2-40B4-BE49-F238E27FC236}">
@@ -8841,7 +11208,12 @@
             <p:ph idx="1"/>
           </p:nvPr>
         </p:nvSpPr>
-        <p:spPr/>
+        <p:spPr>
+          <a:xfrm>
+            <a:off x="457200" y="874514"/>
+            <a:ext cx="8229600" cy="3394472"/>
+          </a:xfrm>
+        </p:spPr>
         <p:txBody>
           <a:bodyPr>
             <a:noAutofit/>
@@ -8968,6 +11340,163 @@
             </a:r>
             <a:endParaRPr lang="en-US" sz="1800" dirty="0">
               <a:latin typeface="Courier"/>
+            </a:endParaRPr>
+          </a:p>
+        </p:txBody>
+      </p:sp>
+      <p:sp>
+        <p:nvSpPr>
+          <p:cNvPr id="4" name="Title 1">
+            <a:extLst>
+              <a:ext uri="{FF2B5EF4-FFF2-40B4-BE49-F238E27FC236}">
+                <a16:creationId xmlns:a16="http://schemas.microsoft.com/office/drawing/2014/main" id="{D57D812D-C757-0EE7-1F85-C897A8CAF84A}"/>
+              </a:ext>
+            </a:extLst>
+          </p:cNvPr>
+          <p:cNvSpPr txBox="1">
+            <a:spLocks/>
+          </p:cNvSpPr>
+          <p:nvPr/>
+        </p:nvSpPr>
+        <p:spPr>
+          <a:xfrm>
+            <a:off x="0" y="1"/>
+            <a:ext cx="9144000" cy="548876"/>
+          </a:xfrm>
+          <a:prstGeom prst="rect">
+            <a:avLst/>
+          </a:prstGeom>
+          <a:solidFill>
+            <a:schemeClr val="tx1"/>
+          </a:solidFill>
+        </p:spPr>
+        <p:txBody>
+          <a:bodyPr vert="horz" lIns="91440" tIns="45720" rIns="91440" bIns="45720" rtlCol="0" anchor="ctr">
+            <a:normAutofit/>
+          </a:bodyPr>
+          <a:lstStyle>
+            <a:lvl1pPr algn="ctr" defTabSz="342900" rtl="0" eaLnBrk="1" latinLnBrk="0" hangingPunct="1">
+              <a:spcBef>
+                <a:spcPct val="0"/>
+              </a:spcBef>
+              <a:buNone/>
+              <a:defRPr sz="3300" kern="1200">
+                <a:solidFill>
+                  <a:schemeClr val="tx1"/>
+                </a:solidFill>
+                <a:latin typeface="+mj-lt"/>
+                <a:ea typeface="+mj-ea"/>
+                <a:cs typeface="+mj-cs"/>
+              </a:defRPr>
+            </a:lvl1pPr>
+          </a:lstStyle>
+          <a:p>
+            <a:pPr algn="l"/>
+            <a:r>
+              <a:rPr lang="en-US" sz="2800" dirty="0">
+                <a:solidFill>
+                  <a:schemeClr val="bg1"/>
+                </a:solidFill>
+              </a:rPr>
+              <a:t>Date functions in SQL Server:</a:t>
+            </a:r>
+            <a:endParaRPr lang="en-IN" sz="2800" dirty="0">
+              <a:solidFill>
+                <a:schemeClr val="bg1"/>
+              </a:solidFill>
+            </a:endParaRPr>
+          </a:p>
+        </p:txBody>
+      </p:sp>
+      <p:pic>
+        <p:nvPicPr>
+          <p:cNvPr id="5" name="Picture 4">
+            <a:extLst>
+              <a:ext uri="{FF2B5EF4-FFF2-40B4-BE49-F238E27FC236}">
+                <a16:creationId xmlns:a16="http://schemas.microsoft.com/office/drawing/2014/main" id="{369AA0E7-2E45-5088-DD84-9DD954387488}"/>
+              </a:ext>
+            </a:extLst>
+          </p:cNvPr>
+          <p:cNvPicPr>
+            <a:picLocks noChangeAspect="1"/>
+          </p:cNvPicPr>
+          <p:nvPr/>
+        </p:nvPicPr>
+        <p:blipFill>
+          <a:blip r:embed="rId2"/>
+          <a:stretch>
+            <a:fillRect/>
+          </a:stretch>
+        </p:blipFill>
+        <p:spPr>
+          <a:xfrm>
+            <a:off x="5763675" y="51792"/>
+            <a:ext cx="3380325" cy="445294"/>
+          </a:xfrm>
+          <a:prstGeom prst="rect">
+            <a:avLst/>
+          </a:prstGeom>
+        </p:spPr>
+      </p:pic>
+      <p:sp>
+        <p:nvSpPr>
+          <p:cNvPr id="6" name="Title 1">
+            <a:extLst>
+              <a:ext uri="{FF2B5EF4-FFF2-40B4-BE49-F238E27FC236}">
+                <a16:creationId xmlns:a16="http://schemas.microsoft.com/office/drawing/2014/main" id="{798CECBD-757D-7944-9AFB-800C571DBDD0}"/>
+              </a:ext>
+            </a:extLst>
+          </p:cNvPr>
+          <p:cNvSpPr txBox="1">
+            <a:spLocks/>
+          </p:cNvSpPr>
+          <p:nvPr/>
+        </p:nvSpPr>
+        <p:spPr>
+          <a:xfrm>
+            <a:off x="0" y="4858718"/>
+            <a:ext cx="9144000" cy="284781"/>
+          </a:xfrm>
+          <a:prstGeom prst="rect">
+            <a:avLst/>
+          </a:prstGeom>
+          <a:solidFill>
+            <a:schemeClr val="tx1"/>
+          </a:solidFill>
+        </p:spPr>
+        <p:txBody>
+          <a:bodyPr vert="horz" lIns="91440" tIns="45720" rIns="91440" bIns="45720" rtlCol="0" anchor="ctr">
+            <a:normAutofit/>
+          </a:bodyPr>
+          <a:lstStyle>
+            <a:lvl1pPr algn="ctr" defTabSz="342900" rtl="0" eaLnBrk="1" latinLnBrk="0" hangingPunct="1">
+              <a:spcBef>
+                <a:spcPct val="0"/>
+              </a:spcBef>
+              <a:buNone/>
+              <a:defRPr sz="3300" kern="1200">
+                <a:solidFill>
+                  <a:schemeClr val="tx1"/>
+                </a:solidFill>
+                <a:latin typeface="+mj-lt"/>
+                <a:ea typeface="+mj-ea"/>
+                <a:cs typeface="+mj-cs"/>
+              </a:defRPr>
+            </a:lvl1pPr>
+          </a:lstStyle>
+          <a:p>
+            <a:r>
+              <a:rPr lang="en-IN" sz="1200" dirty="0">
+                <a:solidFill>
+                  <a:schemeClr val="bg1"/>
+                </a:solidFill>
+              </a:rPr>
+              <a:t>(©) tinitiate.com</a:t>
+            </a:r>
+            <a:endParaRPr lang="en-IN" sz="1000" dirty="0">
+              <a:solidFill>
+                <a:schemeClr val="bg1"/>
+              </a:solidFill>
             </a:endParaRPr>
           </a:p>
         </p:txBody>
@@ -9010,37 +11539,6 @@
       </p:grpSpPr>
       <p:sp>
         <p:nvSpPr>
-          <p:cNvPr id="2" name="Title 1">
-            <a:extLst>
-              <a:ext uri="{FF2B5EF4-FFF2-40B4-BE49-F238E27FC236}">
-                <a16:creationId xmlns:a16="http://schemas.microsoft.com/office/drawing/2014/main" id="{89490623-46FF-93D9-3DF8-6C5AB2598389}"/>
-              </a:ext>
-            </a:extLst>
-          </p:cNvPr>
-          <p:cNvSpPr>
-            <a:spLocks noGrp="1"/>
-          </p:cNvSpPr>
-          <p:nvPr>
-            <p:ph type="title"/>
-          </p:nvPr>
-        </p:nvSpPr>
-        <p:spPr/>
-        <p:txBody>
-          <a:bodyPr/>
-          <a:lstStyle/>
-          <a:p>
-            <a:pPr marL="0" lvl="0" indent="0">
-              <a:buNone/>
-            </a:pPr>
-            <a:r>
-              <a:rPr dirty="0"/>
-              <a:t>Date functions in SQL Server:</a:t>
-            </a:r>
-          </a:p>
-        </p:txBody>
-      </p:sp>
-      <p:sp>
-        <p:nvSpPr>
           <p:cNvPr id="3" name="Content Placeholder 2">
             <a:extLst>
               <a:ext uri="{FF2B5EF4-FFF2-40B4-BE49-F238E27FC236}">
@@ -9055,7 +11553,12 @@
             <p:ph idx="1"/>
           </p:nvPr>
         </p:nvSpPr>
-        <p:spPr/>
+        <p:spPr>
+          <a:xfrm>
+            <a:off x="457200" y="874514"/>
+            <a:ext cx="8229600" cy="3394472"/>
+          </a:xfrm>
+        </p:spPr>
         <p:txBody>
           <a:bodyPr>
             <a:noAutofit/>
@@ -9427,6 +11930,163 @@
             </a:r>
             <a:endParaRPr lang="en-US" sz="1800" dirty="0">
               <a:latin typeface="Courier"/>
+            </a:endParaRPr>
+          </a:p>
+        </p:txBody>
+      </p:sp>
+      <p:sp>
+        <p:nvSpPr>
+          <p:cNvPr id="4" name="Title 1">
+            <a:extLst>
+              <a:ext uri="{FF2B5EF4-FFF2-40B4-BE49-F238E27FC236}">
+                <a16:creationId xmlns:a16="http://schemas.microsoft.com/office/drawing/2014/main" id="{DC9A4AC9-3D4E-F7B9-57B3-A9A05F8590CC}"/>
+              </a:ext>
+            </a:extLst>
+          </p:cNvPr>
+          <p:cNvSpPr txBox="1">
+            <a:spLocks/>
+          </p:cNvSpPr>
+          <p:nvPr/>
+        </p:nvSpPr>
+        <p:spPr>
+          <a:xfrm>
+            <a:off x="0" y="1"/>
+            <a:ext cx="9144000" cy="548876"/>
+          </a:xfrm>
+          <a:prstGeom prst="rect">
+            <a:avLst/>
+          </a:prstGeom>
+          <a:solidFill>
+            <a:schemeClr val="tx1"/>
+          </a:solidFill>
+        </p:spPr>
+        <p:txBody>
+          <a:bodyPr vert="horz" lIns="91440" tIns="45720" rIns="91440" bIns="45720" rtlCol="0" anchor="ctr">
+            <a:normAutofit/>
+          </a:bodyPr>
+          <a:lstStyle>
+            <a:lvl1pPr algn="ctr" defTabSz="342900" rtl="0" eaLnBrk="1" latinLnBrk="0" hangingPunct="1">
+              <a:spcBef>
+                <a:spcPct val="0"/>
+              </a:spcBef>
+              <a:buNone/>
+              <a:defRPr sz="3300" kern="1200">
+                <a:solidFill>
+                  <a:schemeClr val="tx1"/>
+                </a:solidFill>
+                <a:latin typeface="+mj-lt"/>
+                <a:ea typeface="+mj-ea"/>
+                <a:cs typeface="+mj-cs"/>
+              </a:defRPr>
+            </a:lvl1pPr>
+          </a:lstStyle>
+          <a:p>
+            <a:pPr algn="l"/>
+            <a:r>
+              <a:rPr lang="en-US" sz="2800" dirty="0">
+                <a:solidFill>
+                  <a:schemeClr val="bg1"/>
+                </a:solidFill>
+              </a:rPr>
+              <a:t>Date functions in SQL Server:</a:t>
+            </a:r>
+            <a:endParaRPr lang="en-IN" sz="2800" dirty="0">
+              <a:solidFill>
+                <a:schemeClr val="bg1"/>
+              </a:solidFill>
+            </a:endParaRPr>
+          </a:p>
+        </p:txBody>
+      </p:sp>
+      <p:pic>
+        <p:nvPicPr>
+          <p:cNvPr id="5" name="Picture 4">
+            <a:extLst>
+              <a:ext uri="{FF2B5EF4-FFF2-40B4-BE49-F238E27FC236}">
+                <a16:creationId xmlns:a16="http://schemas.microsoft.com/office/drawing/2014/main" id="{FFD425C1-6CD2-8226-BC13-872E0EFE4267}"/>
+              </a:ext>
+            </a:extLst>
+          </p:cNvPr>
+          <p:cNvPicPr>
+            <a:picLocks noChangeAspect="1"/>
+          </p:cNvPicPr>
+          <p:nvPr/>
+        </p:nvPicPr>
+        <p:blipFill>
+          <a:blip r:embed="rId2"/>
+          <a:stretch>
+            <a:fillRect/>
+          </a:stretch>
+        </p:blipFill>
+        <p:spPr>
+          <a:xfrm>
+            <a:off x="5763675" y="51792"/>
+            <a:ext cx="3380325" cy="445294"/>
+          </a:xfrm>
+          <a:prstGeom prst="rect">
+            <a:avLst/>
+          </a:prstGeom>
+        </p:spPr>
+      </p:pic>
+      <p:sp>
+        <p:nvSpPr>
+          <p:cNvPr id="6" name="Title 1">
+            <a:extLst>
+              <a:ext uri="{FF2B5EF4-FFF2-40B4-BE49-F238E27FC236}">
+                <a16:creationId xmlns:a16="http://schemas.microsoft.com/office/drawing/2014/main" id="{31FB42B3-B59B-E73D-2F3A-818AA650406A}"/>
+              </a:ext>
+            </a:extLst>
+          </p:cNvPr>
+          <p:cNvSpPr txBox="1">
+            <a:spLocks/>
+          </p:cNvSpPr>
+          <p:nvPr/>
+        </p:nvSpPr>
+        <p:spPr>
+          <a:xfrm>
+            <a:off x="0" y="4858718"/>
+            <a:ext cx="9144000" cy="284781"/>
+          </a:xfrm>
+          <a:prstGeom prst="rect">
+            <a:avLst/>
+          </a:prstGeom>
+          <a:solidFill>
+            <a:schemeClr val="tx1"/>
+          </a:solidFill>
+        </p:spPr>
+        <p:txBody>
+          <a:bodyPr vert="horz" lIns="91440" tIns="45720" rIns="91440" bIns="45720" rtlCol="0" anchor="ctr">
+            <a:normAutofit/>
+          </a:bodyPr>
+          <a:lstStyle>
+            <a:lvl1pPr algn="ctr" defTabSz="342900" rtl="0" eaLnBrk="1" latinLnBrk="0" hangingPunct="1">
+              <a:spcBef>
+                <a:spcPct val="0"/>
+              </a:spcBef>
+              <a:buNone/>
+              <a:defRPr sz="3300" kern="1200">
+                <a:solidFill>
+                  <a:schemeClr val="tx1"/>
+                </a:solidFill>
+                <a:latin typeface="+mj-lt"/>
+                <a:ea typeface="+mj-ea"/>
+                <a:cs typeface="+mj-cs"/>
+              </a:defRPr>
+            </a:lvl1pPr>
+          </a:lstStyle>
+          <a:p>
+            <a:r>
+              <a:rPr lang="en-IN" sz="1200" dirty="0">
+                <a:solidFill>
+                  <a:schemeClr val="bg1"/>
+                </a:solidFill>
+              </a:rPr>
+              <a:t>(©) tinitiate.com</a:t>
+            </a:r>
+            <a:endParaRPr lang="en-IN" sz="1000" dirty="0">
+              <a:solidFill>
+                <a:schemeClr val="bg1"/>
+              </a:solidFill>
             </a:endParaRPr>
           </a:p>
         </p:txBody>
@@ -9469,37 +12129,6 @@
       </p:grpSpPr>
       <p:sp>
         <p:nvSpPr>
-          <p:cNvPr id="2" name="Title 1">
-            <a:extLst>
-              <a:ext uri="{FF2B5EF4-FFF2-40B4-BE49-F238E27FC236}">
-                <a16:creationId xmlns:a16="http://schemas.microsoft.com/office/drawing/2014/main" id="{A3ADE5F8-D886-FA73-7DE1-072AFED66E7D}"/>
-              </a:ext>
-            </a:extLst>
-          </p:cNvPr>
-          <p:cNvSpPr>
-            <a:spLocks noGrp="1"/>
-          </p:cNvSpPr>
-          <p:nvPr>
-            <p:ph type="title"/>
-          </p:nvPr>
-        </p:nvSpPr>
-        <p:spPr/>
-        <p:txBody>
-          <a:bodyPr/>
-          <a:lstStyle/>
-          <a:p>
-            <a:pPr marL="0" lvl="0" indent="0">
-              <a:buNone/>
-            </a:pPr>
-            <a:r>
-              <a:rPr dirty="0"/>
-              <a:t>Date functions in SQL Server:</a:t>
-            </a:r>
-          </a:p>
-        </p:txBody>
-      </p:sp>
-      <p:sp>
-        <p:nvSpPr>
           <p:cNvPr id="3" name="Content Placeholder 2">
             <a:extLst>
               <a:ext uri="{FF2B5EF4-FFF2-40B4-BE49-F238E27FC236}">
@@ -9514,7 +12143,12 @@
             <p:ph idx="1"/>
           </p:nvPr>
         </p:nvSpPr>
-        <p:spPr/>
+        <p:spPr>
+          <a:xfrm>
+            <a:off x="457200" y="874514"/>
+            <a:ext cx="8229600" cy="3394472"/>
+          </a:xfrm>
+        </p:spPr>
         <p:txBody>
           <a:bodyPr>
             <a:noAutofit/>
@@ -10180,6 +12814,163 @@
             </a:r>
             <a:endParaRPr lang="en-US" sz="1800" dirty="0">
               <a:latin typeface="Courier"/>
+            </a:endParaRPr>
+          </a:p>
+        </p:txBody>
+      </p:sp>
+      <p:sp>
+        <p:nvSpPr>
+          <p:cNvPr id="4" name="Title 1">
+            <a:extLst>
+              <a:ext uri="{FF2B5EF4-FFF2-40B4-BE49-F238E27FC236}">
+                <a16:creationId xmlns:a16="http://schemas.microsoft.com/office/drawing/2014/main" id="{6C2134EB-E0A4-CF9B-2DB8-E63B2905FAD3}"/>
+              </a:ext>
+            </a:extLst>
+          </p:cNvPr>
+          <p:cNvSpPr txBox="1">
+            <a:spLocks/>
+          </p:cNvSpPr>
+          <p:nvPr/>
+        </p:nvSpPr>
+        <p:spPr>
+          <a:xfrm>
+            <a:off x="0" y="1"/>
+            <a:ext cx="9144000" cy="548876"/>
+          </a:xfrm>
+          <a:prstGeom prst="rect">
+            <a:avLst/>
+          </a:prstGeom>
+          <a:solidFill>
+            <a:schemeClr val="tx1"/>
+          </a:solidFill>
+        </p:spPr>
+        <p:txBody>
+          <a:bodyPr vert="horz" lIns="91440" tIns="45720" rIns="91440" bIns="45720" rtlCol="0" anchor="ctr">
+            <a:normAutofit/>
+          </a:bodyPr>
+          <a:lstStyle>
+            <a:lvl1pPr algn="ctr" defTabSz="342900" rtl="0" eaLnBrk="1" latinLnBrk="0" hangingPunct="1">
+              <a:spcBef>
+                <a:spcPct val="0"/>
+              </a:spcBef>
+              <a:buNone/>
+              <a:defRPr sz="3300" kern="1200">
+                <a:solidFill>
+                  <a:schemeClr val="tx1"/>
+                </a:solidFill>
+                <a:latin typeface="+mj-lt"/>
+                <a:ea typeface="+mj-ea"/>
+                <a:cs typeface="+mj-cs"/>
+              </a:defRPr>
+            </a:lvl1pPr>
+          </a:lstStyle>
+          <a:p>
+            <a:pPr algn="l"/>
+            <a:r>
+              <a:rPr lang="en-US" sz="2800" dirty="0">
+                <a:solidFill>
+                  <a:schemeClr val="bg1"/>
+                </a:solidFill>
+              </a:rPr>
+              <a:t>Date functions in SQL Server:</a:t>
+            </a:r>
+            <a:endParaRPr lang="en-IN" sz="2800" dirty="0">
+              <a:solidFill>
+                <a:schemeClr val="bg1"/>
+              </a:solidFill>
+            </a:endParaRPr>
+          </a:p>
+        </p:txBody>
+      </p:sp>
+      <p:pic>
+        <p:nvPicPr>
+          <p:cNvPr id="5" name="Picture 4">
+            <a:extLst>
+              <a:ext uri="{FF2B5EF4-FFF2-40B4-BE49-F238E27FC236}">
+                <a16:creationId xmlns:a16="http://schemas.microsoft.com/office/drawing/2014/main" id="{46CE1D78-D5A4-EBC2-4202-168CF8C11F33}"/>
+              </a:ext>
+            </a:extLst>
+          </p:cNvPr>
+          <p:cNvPicPr>
+            <a:picLocks noChangeAspect="1"/>
+          </p:cNvPicPr>
+          <p:nvPr/>
+        </p:nvPicPr>
+        <p:blipFill>
+          <a:blip r:embed="rId2"/>
+          <a:stretch>
+            <a:fillRect/>
+          </a:stretch>
+        </p:blipFill>
+        <p:spPr>
+          <a:xfrm>
+            <a:off x="5763675" y="51792"/>
+            <a:ext cx="3380325" cy="445294"/>
+          </a:xfrm>
+          <a:prstGeom prst="rect">
+            <a:avLst/>
+          </a:prstGeom>
+        </p:spPr>
+      </p:pic>
+      <p:sp>
+        <p:nvSpPr>
+          <p:cNvPr id="6" name="Title 1">
+            <a:extLst>
+              <a:ext uri="{FF2B5EF4-FFF2-40B4-BE49-F238E27FC236}">
+                <a16:creationId xmlns:a16="http://schemas.microsoft.com/office/drawing/2014/main" id="{B979BF21-631A-FC14-FC1F-F758A3EBF1F2}"/>
+              </a:ext>
+            </a:extLst>
+          </p:cNvPr>
+          <p:cNvSpPr txBox="1">
+            <a:spLocks/>
+          </p:cNvSpPr>
+          <p:nvPr/>
+        </p:nvSpPr>
+        <p:spPr>
+          <a:xfrm>
+            <a:off x="0" y="4858718"/>
+            <a:ext cx="9144000" cy="284781"/>
+          </a:xfrm>
+          <a:prstGeom prst="rect">
+            <a:avLst/>
+          </a:prstGeom>
+          <a:solidFill>
+            <a:schemeClr val="tx1"/>
+          </a:solidFill>
+        </p:spPr>
+        <p:txBody>
+          <a:bodyPr vert="horz" lIns="91440" tIns="45720" rIns="91440" bIns="45720" rtlCol="0" anchor="ctr">
+            <a:normAutofit/>
+          </a:bodyPr>
+          <a:lstStyle>
+            <a:lvl1pPr algn="ctr" defTabSz="342900" rtl="0" eaLnBrk="1" latinLnBrk="0" hangingPunct="1">
+              <a:spcBef>
+                <a:spcPct val="0"/>
+              </a:spcBef>
+              <a:buNone/>
+              <a:defRPr sz="3300" kern="1200">
+                <a:solidFill>
+                  <a:schemeClr val="tx1"/>
+                </a:solidFill>
+                <a:latin typeface="+mj-lt"/>
+                <a:ea typeface="+mj-ea"/>
+                <a:cs typeface="+mj-cs"/>
+              </a:defRPr>
+            </a:lvl1pPr>
+          </a:lstStyle>
+          <a:p>
+            <a:r>
+              <a:rPr lang="en-IN" sz="1200" dirty="0">
+                <a:solidFill>
+                  <a:schemeClr val="bg1"/>
+                </a:solidFill>
+              </a:rPr>
+              <a:t>(©) tinitiate.com</a:t>
+            </a:r>
+            <a:endParaRPr lang="en-IN" sz="1000" dirty="0">
+              <a:solidFill>
+                <a:schemeClr val="bg1"/>
+              </a:solidFill>
             </a:endParaRPr>
           </a:p>
         </p:txBody>
@@ -10222,37 +13013,6 @@
       </p:grpSpPr>
       <p:sp>
         <p:nvSpPr>
-          <p:cNvPr id="2" name="Title 1">
-            <a:extLst>
-              <a:ext uri="{FF2B5EF4-FFF2-40B4-BE49-F238E27FC236}">
-                <a16:creationId xmlns:a16="http://schemas.microsoft.com/office/drawing/2014/main" id="{8352EDC1-EB47-B94D-2CDE-4A6A746BDD27}"/>
-              </a:ext>
-            </a:extLst>
-          </p:cNvPr>
-          <p:cNvSpPr>
-            <a:spLocks noGrp="1"/>
-          </p:cNvSpPr>
-          <p:nvPr>
-            <p:ph type="title"/>
-          </p:nvPr>
-        </p:nvSpPr>
-        <p:spPr/>
-        <p:txBody>
-          <a:bodyPr/>
-          <a:lstStyle/>
-          <a:p>
-            <a:pPr marL="0" lvl="0" indent="0">
-              <a:buNone/>
-            </a:pPr>
-            <a:r>
-              <a:rPr dirty="0"/>
-              <a:t>Date functions in SQL Server:</a:t>
-            </a:r>
-          </a:p>
-        </p:txBody>
-      </p:sp>
-      <p:sp>
-        <p:nvSpPr>
           <p:cNvPr id="3" name="Content Placeholder 2">
             <a:extLst>
               <a:ext uri="{FF2B5EF4-FFF2-40B4-BE49-F238E27FC236}">
@@ -10267,7 +13027,12 @@
             <p:ph idx="1"/>
           </p:nvPr>
         </p:nvSpPr>
-        <p:spPr/>
+        <p:spPr>
+          <a:xfrm>
+            <a:off x="457200" y="874514"/>
+            <a:ext cx="8229600" cy="3394472"/>
+          </a:xfrm>
+        </p:spPr>
         <p:txBody>
           <a:bodyPr>
             <a:noAutofit/>
@@ -10603,6 +13368,163 @@
             </a:r>
             <a:endParaRPr lang="en-US" sz="1800" dirty="0">
               <a:latin typeface="Courier"/>
+            </a:endParaRPr>
+          </a:p>
+        </p:txBody>
+      </p:sp>
+      <p:sp>
+        <p:nvSpPr>
+          <p:cNvPr id="4" name="Title 1">
+            <a:extLst>
+              <a:ext uri="{FF2B5EF4-FFF2-40B4-BE49-F238E27FC236}">
+                <a16:creationId xmlns:a16="http://schemas.microsoft.com/office/drawing/2014/main" id="{EE4E3959-4F51-ABBE-FE3B-B3850EF19D70}"/>
+              </a:ext>
+            </a:extLst>
+          </p:cNvPr>
+          <p:cNvSpPr txBox="1">
+            <a:spLocks/>
+          </p:cNvSpPr>
+          <p:nvPr/>
+        </p:nvSpPr>
+        <p:spPr>
+          <a:xfrm>
+            <a:off x="0" y="1"/>
+            <a:ext cx="9144000" cy="548876"/>
+          </a:xfrm>
+          <a:prstGeom prst="rect">
+            <a:avLst/>
+          </a:prstGeom>
+          <a:solidFill>
+            <a:schemeClr val="tx1"/>
+          </a:solidFill>
+        </p:spPr>
+        <p:txBody>
+          <a:bodyPr vert="horz" lIns="91440" tIns="45720" rIns="91440" bIns="45720" rtlCol="0" anchor="ctr">
+            <a:normAutofit/>
+          </a:bodyPr>
+          <a:lstStyle>
+            <a:lvl1pPr algn="ctr" defTabSz="342900" rtl="0" eaLnBrk="1" latinLnBrk="0" hangingPunct="1">
+              <a:spcBef>
+                <a:spcPct val="0"/>
+              </a:spcBef>
+              <a:buNone/>
+              <a:defRPr sz="3300" kern="1200">
+                <a:solidFill>
+                  <a:schemeClr val="tx1"/>
+                </a:solidFill>
+                <a:latin typeface="+mj-lt"/>
+                <a:ea typeface="+mj-ea"/>
+                <a:cs typeface="+mj-cs"/>
+              </a:defRPr>
+            </a:lvl1pPr>
+          </a:lstStyle>
+          <a:p>
+            <a:pPr algn="l"/>
+            <a:r>
+              <a:rPr lang="en-US" sz="2800" dirty="0">
+                <a:solidFill>
+                  <a:schemeClr val="bg1"/>
+                </a:solidFill>
+              </a:rPr>
+              <a:t>Date functions in SQL Server:</a:t>
+            </a:r>
+            <a:endParaRPr lang="en-IN" sz="2800" dirty="0">
+              <a:solidFill>
+                <a:schemeClr val="bg1"/>
+              </a:solidFill>
+            </a:endParaRPr>
+          </a:p>
+        </p:txBody>
+      </p:sp>
+      <p:pic>
+        <p:nvPicPr>
+          <p:cNvPr id="5" name="Picture 4">
+            <a:extLst>
+              <a:ext uri="{FF2B5EF4-FFF2-40B4-BE49-F238E27FC236}">
+                <a16:creationId xmlns:a16="http://schemas.microsoft.com/office/drawing/2014/main" id="{33CC9B01-9939-9160-6853-4C095B571849}"/>
+              </a:ext>
+            </a:extLst>
+          </p:cNvPr>
+          <p:cNvPicPr>
+            <a:picLocks noChangeAspect="1"/>
+          </p:cNvPicPr>
+          <p:nvPr/>
+        </p:nvPicPr>
+        <p:blipFill>
+          <a:blip r:embed="rId2"/>
+          <a:stretch>
+            <a:fillRect/>
+          </a:stretch>
+        </p:blipFill>
+        <p:spPr>
+          <a:xfrm>
+            <a:off x="5763675" y="51792"/>
+            <a:ext cx="3380325" cy="445294"/>
+          </a:xfrm>
+          <a:prstGeom prst="rect">
+            <a:avLst/>
+          </a:prstGeom>
+        </p:spPr>
+      </p:pic>
+      <p:sp>
+        <p:nvSpPr>
+          <p:cNvPr id="6" name="Title 1">
+            <a:extLst>
+              <a:ext uri="{FF2B5EF4-FFF2-40B4-BE49-F238E27FC236}">
+                <a16:creationId xmlns:a16="http://schemas.microsoft.com/office/drawing/2014/main" id="{7DC95925-6B82-826C-359C-2C0E0D7E466C}"/>
+              </a:ext>
+            </a:extLst>
+          </p:cNvPr>
+          <p:cNvSpPr txBox="1">
+            <a:spLocks/>
+          </p:cNvSpPr>
+          <p:nvPr/>
+        </p:nvSpPr>
+        <p:spPr>
+          <a:xfrm>
+            <a:off x="0" y="4858718"/>
+            <a:ext cx="9144000" cy="284781"/>
+          </a:xfrm>
+          <a:prstGeom prst="rect">
+            <a:avLst/>
+          </a:prstGeom>
+          <a:solidFill>
+            <a:schemeClr val="tx1"/>
+          </a:solidFill>
+        </p:spPr>
+        <p:txBody>
+          <a:bodyPr vert="horz" lIns="91440" tIns="45720" rIns="91440" bIns="45720" rtlCol="0" anchor="ctr">
+            <a:normAutofit/>
+          </a:bodyPr>
+          <a:lstStyle>
+            <a:lvl1pPr algn="ctr" defTabSz="342900" rtl="0" eaLnBrk="1" latinLnBrk="0" hangingPunct="1">
+              <a:spcBef>
+                <a:spcPct val="0"/>
+              </a:spcBef>
+              <a:buNone/>
+              <a:defRPr sz="3300" kern="1200">
+                <a:solidFill>
+                  <a:schemeClr val="tx1"/>
+                </a:solidFill>
+                <a:latin typeface="+mj-lt"/>
+                <a:ea typeface="+mj-ea"/>
+                <a:cs typeface="+mj-cs"/>
+              </a:defRPr>
+            </a:lvl1pPr>
+          </a:lstStyle>
+          <a:p>
+            <a:r>
+              <a:rPr lang="en-IN" sz="1200" dirty="0">
+                <a:solidFill>
+                  <a:schemeClr val="bg1"/>
+                </a:solidFill>
+              </a:rPr>
+              <a:t>(©) tinitiate.com</a:t>
+            </a:r>
+            <a:endParaRPr lang="en-IN" sz="1000" dirty="0">
+              <a:solidFill>
+                <a:schemeClr val="bg1"/>
+              </a:solidFill>
             </a:endParaRPr>
           </a:p>
         </p:txBody>
@@ -10623,9 +13545,9 @@
 <file path=ppt/theme/theme1.xml><?xml version="1.0" encoding="utf-8"?>
 <a:theme xmlns:a="http://schemas.openxmlformats.org/drawingml/2006/main" name="Office Theme">
   <a:themeElements>
-    <a:clrScheme name="Office">
+    <a:clrScheme name="Custom 15">
       <a:dk1>
-        <a:sysClr val="windowText" lastClr="000000"/>
+        <a:srgbClr val="1F497D"/>
       </a:dk1>
       <a:lt1>
         <a:sysClr val="window" lastClr="FFFFFF"/>
